--- a/算法竞赛ppt/001_二进制和位运算.pptx
+++ b/算法竞赛ppt/001_二进制和位运算.pptx
@@ -5,14 +5,18 @@
     <p:sldMasterId id="2147483648" r:id="rId1"/>
   </p:sldMasterIdLst>
   <p:sldIdLst>
-    <p:sldId id="256" r:id="rId2"/>
-    <p:sldId id="257" r:id="rId3"/>
-    <p:sldId id="258" r:id="rId4"/>
-    <p:sldId id="259" r:id="rId5"/>
-    <p:sldId id="263" r:id="rId6"/>
-    <p:sldId id="260" r:id="rId7"/>
-    <p:sldId id="261" r:id="rId8"/>
-    <p:sldId id="262" r:id="rId9"/>
+    <p:sldId id="256" r:id="rId3"/>
+    <p:sldId id="257" r:id="rId4"/>
+    <p:sldId id="258" r:id="rId5"/>
+    <p:sldId id="259" r:id="rId6"/>
+    <p:sldId id="264" r:id="rId7"/>
+    <p:sldId id="260" r:id="rId8"/>
+    <p:sldId id="263" r:id="rId9"/>
+    <p:sldId id="261" r:id="rId10"/>
+    <p:sldId id="262" r:id="rId11"/>
+    <p:sldId id="265" r:id="rId12"/>
+    <p:sldId id="266" r:id="rId13"/>
+    <p:sldId id="267" r:id="rId14"/>
   </p:sldIdLst>
   <p:sldSz cx="12192000" cy="6858000"/>
   <p:notesSz cx="6858000" cy="9144000"/>
@@ -111,11 +115,6 @@
       </a:defRPr>
     </a:lvl9pPr>
   </p:defaultTextStyle>
-  <p:extLst>
-    <p:ext uri="{EFAFB233-063F-42B5-8137-9DF3F51BA10A}">
-      <p15:sldGuideLst xmlns:p15="http://schemas.microsoft.com/office/powerpoint/2012/main"/>
-    </p:ext>
-  </p:extLst>
 </p:presentation>
 </file>
 
@@ -164,6 +163,7 @@
               <a:rPr lang="zh-CN" altLang="en-US"/>
               <a:t>单击此处编辑母版标题样式</a:t>
             </a:r>
+            <a:endParaRPr lang="zh-CN" altLang="en-US"/>
           </a:p>
         </p:txBody>
       </p:sp>
@@ -228,6 +228,7 @@
               <a:rPr lang="zh-CN" altLang="en-US"/>
               <a:t>单击此处编辑母版副标题样式</a:t>
             </a:r>
+            <a:endParaRPr lang="zh-CN" altLang="en-US"/>
           </a:p>
         </p:txBody>
       </p:sp>
@@ -248,7 +249,6 @@
           <a:p>
             <a:fld id="{D997B5FA-0921-464F-AAE1-844C04324D75}" type="datetimeFigureOut">
               <a:rPr lang="zh-CN" altLang="en-US" smtClean="0"/>
-              <a:t>2025/6/24</a:t>
             </a:fld>
             <a:endParaRPr lang="zh-CN" altLang="en-US"/>
           </a:p>
@@ -290,7 +290,6 @@
           <a:p>
             <a:fld id="{565CE74E-AB26-4998-AD42-012C4C1AD076}" type="slidenum">
               <a:rPr lang="zh-CN" altLang="en-US" smtClean="0"/>
-              <a:t>‹#›</a:t>
             </a:fld>
             <a:endParaRPr lang="zh-CN" altLang="en-US"/>
           </a:p>
@@ -340,6 +339,7 @@
               <a:rPr lang="zh-CN" altLang="en-US"/>
               <a:t>单击此处编辑母版标题样式</a:t>
             </a:r>
+            <a:endParaRPr lang="zh-CN" altLang="en-US"/>
           </a:p>
         </p:txBody>
       </p:sp>
@@ -363,6 +363,7 @@
               <a:rPr lang="zh-CN" altLang="en-US"/>
               <a:t>单击此处编辑母版文本样式</a:t>
             </a:r>
+            <a:endParaRPr lang="zh-CN" altLang="en-US"/>
           </a:p>
           <a:p>
             <a:pPr lvl="1"/>
@@ -370,6 +371,7 @@
               <a:rPr lang="zh-CN" altLang="en-US"/>
               <a:t>第二级</a:t>
             </a:r>
+            <a:endParaRPr lang="zh-CN" altLang="en-US"/>
           </a:p>
           <a:p>
             <a:pPr lvl="2"/>
@@ -377,6 +379,7 @@
               <a:rPr lang="zh-CN" altLang="en-US"/>
               <a:t>第三级</a:t>
             </a:r>
+            <a:endParaRPr lang="zh-CN" altLang="en-US"/>
           </a:p>
           <a:p>
             <a:pPr lvl="3"/>
@@ -384,6 +387,7 @@
               <a:rPr lang="zh-CN" altLang="en-US"/>
               <a:t>第四级</a:t>
             </a:r>
+            <a:endParaRPr lang="zh-CN" altLang="en-US"/>
           </a:p>
           <a:p>
             <a:pPr lvl="4"/>
@@ -391,6 +395,7 @@
               <a:rPr lang="zh-CN" altLang="en-US"/>
               <a:t>第五级</a:t>
             </a:r>
+            <a:endParaRPr lang="zh-CN" altLang="en-US"/>
           </a:p>
         </p:txBody>
       </p:sp>
@@ -411,7 +416,6 @@
           <a:p>
             <a:fld id="{D997B5FA-0921-464F-AAE1-844C04324D75}" type="datetimeFigureOut">
               <a:rPr lang="zh-CN" altLang="en-US" smtClean="0"/>
-              <a:t>2025/6/24</a:t>
             </a:fld>
             <a:endParaRPr lang="zh-CN" altLang="en-US"/>
           </a:p>
@@ -453,7 +457,6 @@
           <a:p>
             <a:fld id="{565CE74E-AB26-4998-AD42-012C4C1AD076}" type="slidenum">
               <a:rPr lang="zh-CN" altLang="en-US" smtClean="0"/>
-              <a:t>‹#›</a:t>
             </a:fld>
             <a:endParaRPr lang="zh-CN" altLang="en-US"/>
           </a:p>
@@ -508,6 +511,7 @@
               <a:rPr lang="zh-CN" altLang="en-US"/>
               <a:t>单击此处编辑母版标题样式</a:t>
             </a:r>
+            <a:endParaRPr lang="zh-CN" altLang="en-US"/>
           </a:p>
         </p:txBody>
       </p:sp>
@@ -536,6 +540,7 @@
               <a:rPr lang="zh-CN" altLang="en-US"/>
               <a:t>单击此处编辑母版文本样式</a:t>
             </a:r>
+            <a:endParaRPr lang="zh-CN" altLang="en-US"/>
           </a:p>
           <a:p>
             <a:pPr lvl="1"/>
@@ -543,6 +548,7 @@
               <a:rPr lang="zh-CN" altLang="en-US"/>
               <a:t>第二级</a:t>
             </a:r>
+            <a:endParaRPr lang="zh-CN" altLang="en-US"/>
           </a:p>
           <a:p>
             <a:pPr lvl="2"/>
@@ -550,6 +556,7 @@
               <a:rPr lang="zh-CN" altLang="en-US"/>
               <a:t>第三级</a:t>
             </a:r>
+            <a:endParaRPr lang="zh-CN" altLang="en-US"/>
           </a:p>
           <a:p>
             <a:pPr lvl="3"/>
@@ -557,6 +564,7 @@
               <a:rPr lang="zh-CN" altLang="en-US"/>
               <a:t>第四级</a:t>
             </a:r>
+            <a:endParaRPr lang="zh-CN" altLang="en-US"/>
           </a:p>
           <a:p>
             <a:pPr lvl="4"/>
@@ -564,6 +572,7 @@
               <a:rPr lang="zh-CN" altLang="en-US"/>
               <a:t>第五级</a:t>
             </a:r>
+            <a:endParaRPr lang="zh-CN" altLang="en-US"/>
           </a:p>
         </p:txBody>
       </p:sp>
@@ -584,7 +593,6 @@
           <a:p>
             <a:fld id="{D997B5FA-0921-464F-AAE1-844C04324D75}" type="datetimeFigureOut">
               <a:rPr lang="zh-CN" altLang="en-US" smtClean="0"/>
-              <a:t>2025/6/24</a:t>
             </a:fld>
             <a:endParaRPr lang="zh-CN" altLang="en-US"/>
           </a:p>
@@ -626,7 +634,6 @@
           <a:p>
             <a:fld id="{565CE74E-AB26-4998-AD42-012C4C1AD076}" type="slidenum">
               <a:rPr lang="zh-CN" altLang="en-US" smtClean="0"/>
-              <a:t>‹#›</a:t>
             </a:fld>
             <a:endParaRPr lang="zh-CN" altLang="en-US"/>
           </a:p>
@@ -676,6 +683,7 @@
               <a:rPr lang="zh-CN" altLang="en-US"/>
               <a:t>单击此处编辑母版标题样式</a:t>
             </a:r>
+            <a:endParaRPr lang="zh-CN" altLang="en-US"/>
           </a:p>
         </p:txBody>
       </p:sp>
@@ -699,6 +707,7 @@
               <a:rPr lang="zh-CN" altLang="en-US"/>
               <a:t>单击此处编辑母版文本样式</a:t>
             </a:r>
+            <a:endParaRPr lang="zh-CN" altLang="en-US"/>
           </a:p>
           <a:p>
             <a:pPr lvl="1"/>
@@ -706,6 +715,7 @@
               <a:rPr lang="zh-CN" altLang="en-US"/>
               <a:t>第二级</a:t>
             </a:r>
+            <a:endParaRPr lang="zh-CN" altLang="en-US"/>
           </a:p>
           <a:p>
             <a:pPr lvl="2"/>
@@ -713,6 +723,7 @@
               <a:rPr lang="zh-CN" altLang="en-US"/>
               <a:t>第三级</a:t>
             </a:r>
+            <a:endParaRPr lang="zh-CN" altLang="en-US"/>
           </a:p>
           <a:p>
             <a:pPr lvl="3"/>
@@ -720,6 +731,7 @@
               <a:rPr lang="zh-CN" altLang="en-US"/>
               <a:t>第四级</a:t>
             </a:r>
+            <a:endParaRPr lang="zh-CN" altLang="en-US"/>
           </a:p>
           <a:p>
             <a:pPr lvl="4"/>
@@ -727,6 +739,7 @@
               <a:rPr lang="zh-CN" altLang="en-US"/>
               <a:t>第五级</a:t>
             </a:r>
+            <a:endParaRPr lang="zh-CN" altLang="en-US"/>
           </a:p>
         </p:txBody>
       </p:sp>
@@ -747,7 +760,6 @@
           <a:p>
             <a:fld id="{D997B5FA-0921-464F-AAE1-844C04324D75}" type="datetimeFigureOut">
               <a:rPr lang="zh-CN" altLang="en-US" smtClean="0"/>
-              <a:t>2025/6/24</a:t>
             </a:fld>
             <a:endParaRPr lang="zh-CN" altLang="en-US"/>
           </a:p>
@@ -789,7 +801,6 @@
           <a:p>
             <a:fld id="{565CE74E-AB26-4998-AD42-012C4C1AD076}" type="slidenum">
               <a:rPr lang="zh-CN" altLang="en-US" smtClean="0"/>
-              <a:t>‹#›</a:t>
             </a:fld>
             <a:endParaRPr lang="zh-CN" altLang="en-US"/>
           </a:p>
@@ -848,6 +859,7 @@
               <a:rPr lang="zh-CN" altLang="en-US"/>
               <a:t>单击此处编辑母版标题样式</a:t>
             </a:r>
+            <a:endParaRPr lang="zh-CN" altLang="en-US"/>
           </a:p>
         </p:txBody>
       </p:sp>
@@ -967,6 +979,7 @@
               <a:rPr lang="zh-CN" altLang="en-US"/>
               <a:t>单击此处编辑母版文本样式</a:t>
             </a:r>
+            <a:endParaRPr lang="zh-CN" altLang="en-US"/>
           </a:p>
         </p:txBody>
       </p:sp>
@@ -987,7 +1000,6 @@
           <a:p>
             <a:fld id="{D997B5FA-0921-464F-AAE1-844C04324D75}" type="datetimeFigureOut">
               <a:rPr lang="zh-CN" altLang="en-US" smtClean="0"/>
-              <a:t>2025/6/24</a:t>
             </a:fld>
             <a:endParaRPr lang="zh-CN" altLang="en-US"/>
           </a:p>
@@ -1029,7 +1041,6 @@
           <a:p>
             <a:fld id="{565CE74E-AB26-4998-AD42-012C4C1AD076}" type="slidenum">
               <a:rPr lang="zh-CN" altLang="en-US" smtClean="0"/>
-              <a:t>‹#›</a:t>
             </a:fld>
             <a:endParaRPr lang="zh-CN" altLang="en-US"/>
           </a:p>
@@ -1079,6 +1090,7 @@
               <a:rPr lang="zh-CN" altLang="en-US"/>
               <a:t>单击此处编辑母版标题样式</a:t>
             </a:r>
+            <a:endParaRPr lang="zh-CN" altLang="en-US"/>
           </a:p>
         </p:txBody>
       </p:sp>
@@ -1107,6 +1119,7 @@
               <a:rPr lang="zh-CN" altLang="en-US"/>
               <a:t>单击此处编辑母版文本样式</a:t>
             </a:r>
+            <a:endParaRPr lang="zh-CN" altLang="en-US"/>
           </a:p>
           <a:p>
             <a:pPr lvl="1"/>
@@ -1114,6 +1127,7 @@
               <a:rPr lang="zh-CN" altLang="en-US"/>
               <a:t>第二级</a:t>
             </a:r>
+            <a:endParaRPr lang="zh-CN" altLang="en-US"/>
           </a:p>
           <a:p>
             <a:pPr lvl="2"/>
@@ -1121,6 +1135,7 @@
               <a:rPr lang="zh-CN" altLang="en-US"/>
               <a:t>第三级</a:t>
             </a:r>
+            <a:endParaRPr lang="zh-CN" altLang="en-US"/>
           </a:p>
           <a:p>
             <a:pPr lvl="3"/>
@@ -1128,6 +1143,7 @@
               <a:rPr lang="zh-CN" altLang="en-US"/>
               <a:t>第四级</a:t>
             </a:r>
+            <a:endParaRPr lang="zh-CN" altLang="en-US"/>
           </a:p>
           <a:p>
             <a:pPr lvl="4"/>
@@ -1135,6 +1151,7 @@
               <a:rPr lang="zh-CN" altLang="en-US"/>
               <a:t>第五级</a:t>
             </a:r>
+            <a:endParaRPr lang="zh-CN" altLang="en-US"/>
           </a:p>
         </p:txBody>
       </p:sp>
@@ -1163,6 +1180,7 @@
               <a:rPr lang="zh-CN" altLang="en-US"/>
               <a:t>单击此处编辑母版文本样式</a:t>
             </a:r>
+            <a:endParaRPr lang="zh-CN" altLang="en-US"/>
           </a:p>
           <a:p>
             <a:pPr lvl="1"/>
@@ -1170,6 +1188,7 @@
               <a:rPr lang="zh-CN" altLang="en-US"/>
               <a:t>第二级</a:t>
             </a:r>
+            <a:endParaRPr lang="zh-CN" altLang="en-US"/>
           </a:p>
           <a:p>
             <a:pPr lvl="2"/>
@@ -1177,6 +1196,7 @@
               <a:rPr lang="zh-CN" altLang="en-US"/>
               <a:t>第三级</a:t>
             </a:r>
+            <a:endParaRPr lang="zh-CN" altLang="en-US"/>
           </a:p>
           <a:p>
             <a:pPr lvl="3"/>
@@ -1184,6 +1204,7 @@
               <a:rPr lang="zh-CN" altLang="en-US"/>
               <a:t>第四级</a:t>
             </a:r>
+            <a:endParaRPr lang="zh-CN" altLang="en-US"/>
           </a:p>
           <a:p>
             <a:pPr lvl="4"/>
@@ -1191,6 +1212,7 @@
               <a:rPr lang="zh-CN" altLang="en-US"/>
               <a:t>第五级</a:t>
             </a:r>
+            <a:endParaRPr lang="zh-CN" altLang="en-US"/>
           </a:p>
         </p:txBody>
       </p:sp>
@@ -1211,7 +1233,6 @@
           <a:p>
             <a:fld id="{D997B5FA-0921-464F-AAE1-844C04324D75}" type="datetimeFigureOut">
               <a:rPr lang="zh-CN" altLang="en-US" smtClean="0"/>
-              <a:t>2025/6/24</a:t>
             </a:fld>
             <a:endParaRPr lang="zh-CN" altLang="en-US"/>
           </a:p>
@@ -1253,7 +1274,6 @@
           <a:p>
             <a:fld id="{565CE74E-AB26-4998-AD42-012C4C1AD076}" type="slidenum">
               <a:rPr lang="zh-CN" altLang="en-US" smtClean="0"/>
-              <a:t>‹#›</a:t>
             </a:fld>
             <a:endParaRPr lang="zh-CN" altLang="en-US"/>
           </a:p>
@@ -1308,6 +1328,7 @@
               <a:rPr lang="zh-CN" altLang="en-US"/>
               <a:t>单击此处编辑母版标题样式</a:t>
             </a:r>
+            <a:endParaRPr lang="zh-CN" altLang="en-US"/>
           </a:p>
         </p:txBody>
       </p:sp>
@@ -1373,6 +1394,7 @@
               <a:rPr lang="zh-CN" altLang="en-US"/>
               <a:t>单击此处编辑母版文本样式</a:t>
             </a:r>
+            <a:endParaRPr lang="zh-CN" altLang="en-US"/>
           </a:p>
         </p:txBody>
       </p:sp>
@@ -1401,6 +1423,7 @@
               <a:rPr lang="zh-CN" altLang="en-US"/>
               <a:t>单击此处编辑母版文本样式</a:t>
             </a:r>
+            <a:endParaRPr lang="zh-CN" altLang="en-US"/>
           </a:p>
           <a:p>
             <a:pPr lvl="1"/>
@@ -1408,6 +1431,7 @@
               <a:rPr lang="zh-CN" altLang="en-US"/>
               <a:t>第二级</a:t>
             </a:r>
+            <a:endParaRPr lang="zh-CN" altLang="en-US"/>
           </a:p>
           <a:p>
             <a:pPr lvl="2"/>
@@ -1415,6 +1439,7 @@
               <a:rPr lang="zh-CN" altLang="en-US"/>
               <a:t>第三级</a:t>
             </a:r>
+            <a:endParaRPr lang="zh-CN" altLang="en-US"/>
           </a:p>
           <a:p>
             <a:pPr lvl="3"/>
@@ -1422,6 +1447,7 @@
               <a:rPr lang="zh-CN" altLang="en-US"/>
               <a:t>第四级</a:t>
             </a:r>
+            <a:endParaRPr lang="zh-CN" altLang="en-US"/>
           </a:p>
           <a:p>
             <a:pPr lvl="4"/>
@@ -1429,6 +1455,7 @@
               <a:rPr lang="zh-CN" altLang="en-US"/>
               <a:t>第五级</a:t>
             </a:r>
+            <a:endParaRPr lang="zh-CN" altLang="en-US"/>
           </a:p>
         </p:txBody>
       </p:sp>
@@ -1494,6 +1521,7 @@
               <a:rPr lang="zh-CN" altLang="en-US"/>
               <a:t>单击此处编辑母版文本样式</a:t>
             </a:r>
+            <a:endParaRPr lang="zh-CN" altLang="en-US"/>
           </a:p>
         </p:txBody>
       </p:sp>
@@ -1522,6 +1550,7 @@
               <a:rPr lang="zh-CN" altLang="en-US"/>
               <a:t>单击此处编辑母版文本样式</a:t>
             </a:r>
+            <a:endParaRPr lang="zh-CN" altLang="en-US"/>
           </a:p>
           <a:p>
             <a:pPr lvl="1"/>
@@ -1529,6 +1558,7 @@
               <a:rPr lang="zh-CN" altLang="en-US"/>
               <a:t>第二级</a:t>
             </a:r>
+            <a:endParaRPr lang="zh-CN" altLang="en-US"/>
           </a:p>
           <a:p>
             <a:pPr lvl="2"/>
@@ -1536,6 +1566,7 @@
               <a:rPr lang="zh-CN" altLang="en-US"/>
               <a:t>第三级</a:t>
             </a:r>
+            <a:endParaRPr lang="zh-CN" altLang="en-US"/>
           </a:p>
           <a:p>
             <a:pPr lvl="3"/>
@@ -1543,6 +1574,7 @@
               <a:rPr lang="zh-CN" altLang="en-US"/>
               <a:t>第四级</a:t>
             </a:r>
+            <a:endParaRPr lang="zh-CN" altLang="en-US"/>
           </a:p>
           <a:p>
             <a:pPr lvl="4"/>
@@ -1550,6 +1582,7 @@
               <a:rPr lang="zh-CN" altLang="en-US"/>
               <a:t>第五级</a:t>
             </a:r>
+            <a:endParaRPr lang="zh-CN" altLang="en-US"/>
           </a:p>
         </p:txBody>
       </p:sp>
@@ -1570,7 +1603,6 @@
           <a:p>
             <a:fld id="{D997B5FA-0921-464F-AAE1-844C04324D75}" type="datetimeFigureOut">
               <a:rPr lang="zh-CN" altLang="en-US" smtClean="0"/>
-              <a:t>2025/6/24</a:t>
             </a:fld>
             <a:endParaRPr lang="zh-CN" altLang="en-US"/>
           </a:p>
@@ -1612,7 +1644,6 @@
           <a:p>
             <a:fld id="{565CE74E-AB26-4998-AD42-012C4C1AD076}" type="slidenum">
               <a:rPr lang="zh-CN" altLang="en-US" smtClean="0"/>
-              <a:t>‹#›</a:t>
             </a:fld>
             <a:endParaRPr lang="zh-CN" altLang="en-US"/>
           </a:p>
@@ -1662,6 +1693,7 @@
               <a:rPr lang="zh-CN" altLang="en-US"/>
               <a:t>单击此处编辑母版标题样式</a:t>
             </a:r>
+            <a:endParaRPr lang="zh-CN" altLang="en-US"/>
           </a:p>
         </p:txBody>
       </p:sp>
@@ -1682,7 +1714,6 @@
           <a:p>
             <a:fld id="{D997B5FA-0921-464F-AAE1-844C04324D75}" type="datetimeFigureOut">
               <a:rPr lang="zh-CN" altLang="en-US" smtClean="0"/>
-              <a:t>2025/6/24</a:t>
             </a:fld>
             <a:endParaRPr lang="zh-CN" altLang="en-US"/>
           </a:p>
@@ -1724,7 +1755,6 @@
           <a:p>
             <a:fld id="{565CE74E-AB26-4998-AD42-012C4C1AD076}" type="slidenum">
               <a:rPr lang="zh-CN" altLang="en-US" smtClean="0"/>
-              <a:t>‹#›</a:t>
             </a:fld>
             <a:endParaRPr lang="zh-CN" altLang="en-US"/>
           </a:p>
@@ -1772,7 +1802,6 @@
           <a:p>
             <a:fld id="{D997B5FA-0921-464F-AAE1-844C04324D75}" type="datetimeFigureOut">
               <a:rPr lang="zh-CN" altLang="en-US" smtClean="0"/>
-              <a:t>2025/6/24</a:t>
             </a:fld>
             <a:endParaRPr lang="zh-CN" altLang="en-US"/>
           </a:p>
@@ -1814,7 +1843,6 @@
           <a:p>
             <a:fld id="{565CE74E-AB26-4998-AD42-012C4C1AD076}" type="slidenum">
               <a:rPr lang="zh-CN" altLang="en-US" smtClean="0"/>
-              <a:t>‹#›</a:t>
             </a:fld>
             <a:endParaRPr lang="zh-CN" altLang="en-US"/>
           </a:p>
@@ -1873,6 +1901,7 @@
               <a:rPr lang="zh-CN" altLang="en-US"/>
               <a:t>单击此处编辑母版标题样式</a:t>
             </a:r>
+            <a:endParaRPr lang="zh-CN" altLang="en-US"/>
           </a:p>
         </p:txBody>
       </p:sp>
@@ -1929,6 +1958,7 @@
               <a:rPr lang="zh-CN" altLang="en-US"/>
               <a:t>单击此处编辑母版文本样式</a:t>
             </a:r>
+            <a:endParaRPr lang="zh-CN" altLang="en-US"/>
           </a:p>
           <a:p>
             <a:pPr lvl="1"/>
@@ -1936,6 +1966,7 @@
               <a:rPr lang="zh-CN" altLang="en-US"/>
               <a:t>第二级</a:t>
             </a:r>
+            <a:endParaRPr lang="zh-CN" altLang="en-US"/>
           </a:p>
           <a:p>
             <a:pPr lvl="2"/>
@@ -1943,6 +1974,7 @@
               <a:rPr lang="zh-CN" altLang="en-US"/>
               <a:t>第三级</a:t>
             </a:r>
+            <a:endParaRPr lang="zh-CN" altLang="en-US"/>
           </a:p>
           <a:p>
             <a:pPr lvl="3"/>
@@ -1950,6 +1982,7 @@
               <a:rPr lang="zh-CN" altLang="en-US"/>
               <a:t>第四级</a:t>
             </a:r>
+            <a:endParaRPr lang="zh-CN" altLang="en-US"/>
           </a:p>
           <a:p>
             <a:pPr lvl="4"/>
@@ -1957,6 +1990,7 @@
               <a:rPr lang="zh-CN" altLang="en-US"/>
               <a:t>第五级</a:t>
             </a:r>
+            <a:endParaRPr lang="zh-CN" altLang="en-US"/>
           </a:p>
         </p:txBody>
       </p:sp>
@@ -2022,6 +2056,7 @@
               <a:rPr lang="zh-CN" altLang="en-US"/>
               <a:t>单击此处编辑母版文本样式</a:t>
             </a:r>
+            <a:endParaRPr lang="zh-CN" altLang="en-US"/>
           </a:p>
         </p:txBody>
       </p:sp>
@@ -2042,7 +2077,6 @@
           <a:p>
             <a:fld id="{D997B5FA-0921-464F-AAE1-844C04324D75}" type="datetimeFigureOut">
               <a:rPr lang="zh-CN" altLang="en-US" smtClean="0"/>
-              <a:t>2025/6/24</a:t>
             </a:fld>
             <a:endParaRPr lang="zh-CN" altLang="en-US"/>
           </a:p>
@@ -2084,7 +2118,6 @@
           <a:p>
             <a:fld id="{565CE74E-AB26-4998-AD42-012C4C1AD076}" type="slidenum">
               <a:rPr lang="zh-CN" altLang="en-US" smtClean="0"/>
-              <a:t>‹#›</a:t>
             </a:fld>
             <a:endParaRPr lang="zh-CN" altLang="en-US"/>
           </a:p>
@@ -2143,6 +2176,7 @@
               <a:rPr lang="zh-CN" altLang="en-US"/>
               <a:t>单击此处编辑母版标题样式</a:t>
             </a:r>
+            <a:endParaRPr lang="zh-CN" altLang="en-US"/>
           </a:p>
         </p:txBody>
       </p:sp>
@@ -2269,6 +2303,7 @@
               <a:rPr lang="zh-CN" altLang="en-US"/>
               <a:t>单击此处编辑母版文本样式</a:t>
             </a:r>
+            <a:endParaRPr lang="zh-CN" altLang="en-US"/>
           </a:p>
         </p:txBody>
       </p:sp>
@@ -2289,7 +2324,6 @@
           <a:p>
             <a:fld id="{D997B5FA-0921-464F-AAE1-844C04324D75}" type="datetimeFigureOut">
               <a:rPr lang="zh-CN" altLang="en-US" smtClean="0"/>
-              <a:t>2025/6/24</a:t>
             </a:fld>
             <a:endParaRPr lang="zh-CN" altLang="en-US"/>
           </a:p>
@@ -2331,7 +2365,6 @@
           <a:p>
             <a:fld id="{565CE74E-AB26-4998-AD42-012C4C1AD076}" type="slidenum">
               <a:rPr lang="zh-CN" altLang="en-US" smtClean="0"/>
-              <a:t>‹#›</a:t>
             </a:fld>
             <a:endParaRPr lang="zh-CN" altLang="en-US"/>
           </a:p>
@@ -2396,6 +2429,7 @@
               <a:rPr lang="zh-CN" altLang="en-US"/>
               <a:t>单击此处编辑母版标题样式</a:t>
             </a:r>
+            <a:endParaRPr lang="zh-CN" altLang="en-US"/>
           </a:p>
         </p:txBody>
       </p:sp>
@@ -2429,6 +2463,7 @@
               <a:rPr lang="zh-CN" altLang="en-US"/>
               <a:t>单击此处编辑母版文本样式</a:t>
             </a:r>
+            <a:endParaRPr lang="zh-CN" altLang="en-US"/>
           </a:p>
           <a:p>
             <a:pPr lvl="1"/>
@@ -2436,6 +2471,7 @@
               <a:rPr lang="zh-CN" altLang="en-US"/>
               <a:t>第二级</a:t>
             </a:r>
+            <a:endParaRPr lang="zh-CN" altLang="en-US"/>
           </a:p>
           <a:p>
             <a:pPr lvl="2"/>
@@ -2443,6 +2479,7 @@
               <a:rPr lang="zh-CN" altLang="en-US"/>
               <a:t>第三级</a:t>
             </a:r>
+            <a:endParaRPr lang="zh-CN" altLang="en-US"/>
           </a:p>
           <a:p>
             <a:pPr lvl="3"/>
@@ -2450,6 +2487,7 @@
               <a:rPr lang="zh-CN" altLang="en-US"/>
               <a:t>第四级</a:t>
             </a:r>
+            <a:endParaRPr lang="zh-CN" altLang="en-US"/>
           </a:p>
           <a:p>
             <a:pPr lvl="4"/>
@@ -2457,6 +2495,7 @@
               <a:rPr lang="zh-CN" altLang="en-US"/>
               <a:t>第五级</a:t>
             </a:r>
+            <a:endParaRPr lang="zh-CN" altLang="en-US"/>
           </a:p>
         </p:txBody>
       </p:sp>
@@ -2495,7 +2534,6 @@
           <a:p>
             <a:fld id="{D997B5FA-0921-464F-AAE1-844C04324D75}" type="datetimeFigureOut">
               <a:rPr lang="zh-CN" altLang="en-US" smtClean="0"/>
-              <a:t>2025/6/24</a:t>
             </a:fld>
             <a:endParaRPr lang="zh-CN" altLang="en-US"/>
           </a:p>
@@ -2573,7 +2611,6 @@
           <a:p>
             <a:fld id="{565CE74E-AB26-4998-AD42-012C4C1AD076}" type="slidenum">
               <a:rPr lang="zh-CN" altLang="en-US" smtClean="0"/>
-              <a:t>‹#›</a:t>
             </a:fld>
             <a:endParaRPr lang="zh-CN" altLang="en-US"/>
           </a:p>
@@ -2897,13 +2934,7 @@
       </p:grpSpPr>
       <p:sp>
         <p:nvSpPr>
-          <p:cNvPr id="2" name="标题 1">
-            <a:extLst>
-              <a:ext uri="{FF2B5EF4-FFF2-40B4-BE49-F238E27FC236}">
-                <a16:creationId xmlns:a16="http://schemas.microsoft.com/office/drawing/2014/main" id="{5240F06F-ECD6-41B8-3C62-2AEFF500490A}"/>
-              </a:ext>
-            </a:extLst>
-          </p:cNvPr>
+          <p:cNvPr id="2" name="标题 1"/>
           <p:cNvSpPr>
             <a:spLocks noGrp="1"/>
           </p:cNvSpPr>
@@ -2929,13 +2960,7 @@
       </p:sp>
       <p:sp>
         <p:nvSpPr>
-          <p:cNvPr id="3" name="副标题 2">
-            <a:extLst>
-              <a:ext uri="{FF2B5EF4-FFF2-40B4-BE49-F238E27FC236}">
-                <a16:creationId xmlns:a16="http://schemas.microsoft.com/office/drawing/2014/main" id="{E1463BF1-C278-2EF9-E7E5-D980DCC5E6EB}"/>
-              </a:ext>
-            </a:extLst>
-          </p:cNvPr>
+          <p:cNvPr id="3" name="副标题 2"/>
           <p:cNvSpPr>
             <a:spLocks noGrp="1"/>
           </p:cNvSpPr>
@@ -2999,11 +3024,354 @@
         </p:txBody>
       </p:sp>
     </p:spTree>
-    <p:extLst>
-      <p:ext uri="{BB962C8B-B14F-4D97-AF65-F5344CB8AC3E}">
-        <p14:creationId xmlns:p14="http://schemas.microsoft.com/office/powerpoint/2010/main" val="1246750960"/>
-      </p:ext>
-    </p:extLst>
+  </p:cSld>
+  <p:clrMapOvr>
+    <a:masterClrMapping/>
+  </p:clrMapOvr>
+</p:sld>
+</file>
+
+<file path=ppt/slides/slide10.xml><?xml version="1.0" encoding="utf-8"?>
+<p:sld xmlns:a="http://schemas.openxmlformats.org/drawingml/2006/main" xmlns:r="http://schemas.openxmlformats.org/officeDocument/2006/relationships" xmlns:p="http://schemas.openxmlformats.org/presentationml/2006/main">
+  <p:cSld>
+    <p:spTree>
+      <p:nvGrpSpPr>
+        <p:cNvPr id="1" name=""/>
+        <p:cNvGrpSpPr/>
+        <p:nvPr/>
+      </p:nvGrpSpPr>
+      <p:grpSpPr/>
+      <p:sp>
+        <p:nvSpPr>
+          <p:cNvPr id="2" name="标题 1"/>
+          <p:cNvSpPr>
+            <a:spLocks noGrp="1"/>
+          </p:cNvSpPr>
+          <p:nvPr>
+            <p:ph type="title"/>
+          </p:nvPr>
+        </p:nvSpPr>
+        <p:spPr/>
+        <p:txBody>
+          <a:bodyPr/>
+          <a:p>
+            <a:endParaRPr lang="zh-CN" altLang="en-US"/>
+          </a:p>
+        </p:txBody>
+      </p:sp>
+      <p:sp>
+        <p:nvSpPr>
+          <p:cNvPr id="3" name="内容占位符 2"/>
+          <p:cNvSpPr>
+            <a:spLocks noGrp="1"/>
+          </p:cNvSpPr>
+          <p:nvPr>
+            <p:ph idx="1"/>
+          </p:nvPr>
+        </p:nvSpPr>
+        <p:spPr/>
+        <p:txBody>
+          <a:bodyPr/>
+          <a:p>
+            <a:r>
+              <a:rPr lang="zh-CN" altLang="en-US"/>
+              <a:t>位运算优化</a:t>
+            </a:r>
+            <a:endParaRPr lang="zh-CN" altLang="en-US"/>
+          </a:p>
+          <a:p>
+            <a:r>
+              <a:rPr lang="zh-CN" altLang="en-US"/>
+              <a:t>二进制位运算可以显著提高程序效率。常见的位运算包括与</a:t>
+            </a:r>
+            <a:r>
+              <a:rPr lang="en-US" altLang="zh-CN"/>
+              <a:t>(&amp;)</a:t>
+            </a:r>
+            <a:r>
+              <a:rPr lang="zh-CN" altLang="en-US"/>
+              <a:t>、或</a:t>
+            </a:r>
+            <a:r>
+              <a:rPr lang="en-US" altLang="zh-CN"/>
+              <a:t>(|)</a:t>
+            </a:r>
+            <a:r>
+              <a:rPr lang="zh-CN" altLang="en-US"/>
+              <a:t>、异或</a:t>
+            </a:r>
+            <a:r>
+              <a:rPr lang="en-US" altLang="zh-CN"/>
+              <a:t>(^)</a:t>
+            </a:r>
+            <a:r>
+              <a:rPr lang="zh-CN" altLang="en-US"/>
+              <a:t>、取反</a:t>
+            </a:r>
+            <a:r>
+              <a:rPr lang="en-US" altLang="zh-CN"/>
+              <a:t>(~)</a:t>
+            </a:r>
+            <a:r>
+              <a:rPr lang="zh-CN" altLang="en-US"/>
+              <a:t>、左移</a:t>
+            </a:r>
+            <a:r>
+              <a:rPr lang="en-US" altLang="zh-CN"/>
+              <a:t>(&lt;&lt;)</a:t>
+            </a:r>
+            <a:r>
+              <a:rPr lang="zh-CN" altLang="en-US"/>
+              <a:t>、右移</a:t>
+            </a:r>
+            <a:r>
+              <a:rPr lang="en-US" altLang="zh-CN"/>
+              <a:t>(&gt;&gt;)</a:t>
+            </a:r>
+            <a:r>
+              <a:rPr lang="zh-CN" altLang="en-US"/>
+              <a:t>等。这些操作的时间复杂度通常是</a:t>
+            </a:r>
+            <a:r>
+              <a:rPr lang="en-US" altLang="zh-CN"/>
+              <a:t>O(1)</a:t>
+            </a:r>
+            <a:r>
+              <a:rPr lang="zh-CN" altLang="en-US"/>
+              <a:t>，比普通的数学运算更快。</a:t>
+            </a:r>
+            <a:endParaRPr lang="zh-CN" altLang="en-US"/>
+          </a:p>
+          <a:p>
+            <a:r>
+              <a:rPr lang="zh-CN" altLang="en-US"/>
+              <a:t>状态压缩动态规划</a:t>
+            </a:r>
+            <a:endParaRPr lang="zh-CN" altLang="en-US"/>
+          </a:p>
+          <a:p>
+            <a:r>
+              <a:rPr lang="zh-CN" altLang="en-US"/>
+              <a:t>当问题的状态空间较小时，可以用二进制数来表示状态集合。例如，在旅行商问题</a:t>
+            </a:r>
+            <a:r>
+              <a:rPr lang="en-US" altLang="zh-CN"/>
+              <a:t>(TSP)</a:t>
+            </a:r>
+            <a:r>
+              <a:rPr lang="zh-CN" altLang="en-US"/>
+              <a:t>中，可以用一个整数的二进制位来表示已经访问过的城市集合，每一位代表一个城市的访问状态。</a:t>
+            </a:r>
+            <a:endParaRPr lang="zh-CN" altLang="en-US"/>
+          </a:p>
+        </p:txBody>
+      </p:sp>
+    </p:spTree>
+  </p:cSld>
+  <p:clrMapOvr>
+    <a:masterClrMapping/>
+  </p:clrMapOvr>
+</p:sld>
+</file>
+
+<file path=ppt/slides/slide11.xml><?xml version="1.0" encoding="utf-8"?>
+<p:sld xmlns:a="http://schemas.openxmlformats.org/drawingml/2006/main" xmlns:r="http://schemas.openxmlformats.org/officeDocument/2006/relationships" xmlns:p="http://schemas.openxmlformats.org/presentationml/2006/main">
+  <p:cSld>
+    <p:spTree>
+      <p:nvGrpSpPr>
+        <p:cNvPr id="1" name=""/>
+        <p:cNvGrpSpPr/>
+        <p:nvPr/>
+      </p:nvGrpSpPr>
+      <p:grpSpPr/>
+      <p:sp>
+        <p:nvSpPr>
+          <p:cNvPr id="2" name="标题 1"/>
+          <p:cNvSpPr>
+            <a:spLocks noGrp="1"/>
+          </p:cNvSpPr>
+          <p:nvPr>
+            <p:ph type="title"/>
+          </p:nvPr>
+        </p:nvSpPr>
+        <p:spPr/>
+        <p:txBody>
+          <a:bodyPr/>
+          <a:p>
+            <a:endParaRPr lang="zh-CN" altLang="en-US"/>
+          </a:p>
+        </p:txBody>
+      </p:sp>
+      <p:sp>
+        <p:nvSpPr>
+          <p:cNvPr id="3" name="内容占位符 2"/>
+          <p:cNvSpPr>
+            <a:spLocks noGrp="1"/>
+          </p:cNvSpPr>
+          <p:nvPr>
+            <p:ph idx="1"/>
+          </p:nvPr>
+        </p:nvSpPr>
+        <p:spPr/>
+        <p:txBody>
+          <a:bodyPr>
+            <a:normAutofit lnSpcReduction="10000"/>
+          </a:bodyPr>
+          <a:p>
+            <a:r>
+              <a:rPr lang="zh-CN" altLang="en-US"/>
+              <a:t>子集枚举</a:t>
+            </a:r>
+            <a:endParaRPr lang="zh-CN" altLang="en-US"/>
+          </a:p>
+          <a:p>
+            <a:r>
+              <a:rPr lang="zh-CN" altLang="en-US"/>
+              <a:t>二进制可以很方便地枚举一个集合的所有子集。对于</a:t>
+            </a:r>
+            <a:r>
+              <a:rPr lang="en-US" altLang="zh-CN"/>
+              <a:t>n</a:t>
+            </a:r>
+            <a:r>
+              <a:rPr lang="zh-CN" altLang="en-US"/>
+              <a:t>个元素的集合，可以用</a:t>
+            </a:r>
+            <a:r>
+              <a:rPr lang="en-US" altLang="zh-CN"/>
+              <a:t>0</a:t>
+            </a:r>
+            <a:r>
+              <a:rPr lang="zh-CN" altLang="en-US"/>
+              <a:t>到</a:t>
+            </a:r>
+            <a:r>
+              <a:rPr lang="en-US" altLang="zh-CN"/>
+              <a:t>2^n-1</a:t>
+            </a:r>
+            <a:r>
+              <a:rPr lang="zh-CN" altLang="en-US"/>
+              <a:t>的所有整数来表示所有可能的子集，每个二进制位表示对应元素是否在子集中。</a:t>
+            </a:r>
+            <a:endParaRPr lang="zh-CN" altLang="en-US"/>
+          </a:p>
+          <a:p>
+            <a:r>
+              <a:rPr lang="zh-CN" altLang="en-US"/>
+              <a:t>快速幂算法</a:t>
+            </a:r>
+            <a:endParaRPr lang="zh-CN" altLang="en-US"/>
+          </a:p>
+          <a:p>
+            <a:r>
+              <a:rPr lang="zh-CN" altLang="en-US"/>
+              <a:t>在计算</a:t>
+            </a:r>
+            <a:r>
+              <a:rPr lang="en-US" altLang="zh-CN"/>
+              <a:t>a^n</a:t>
+            </a:r>
+            <a:r>
+              <a:rPr lang="zh-CN" altLang="en-US"/>
+              <a:t>时，可以利用二进制表示的</a:t>
+            </a:r>
+            <a:r>
+              <a:rPr lang="en-US" altLang="zh-CN"/>
+              <a:t>n</a:t>
+            </a:r>
+            <a:r>
+              <a:rPr lang="zh-CN" altLang="en-US"/>
+              <a:t>来优化计算过程，将时间复杂度从</a:t>
+            </a:r>
+            <a:r>
+              <a:rPr lang="en-US" altLang="zh-CN"/>
+              <a:t>O(n)</a:t>
+            </a:r>
+            <a:r>
+              <a:rPr lang="zh-CN" altLang="en-US"/>
+              <a:t>降低到</a:t>
+            </a:r>
+            <a:r>
+              <a:rPr lang="en-US" altLang="zh-CN"/>
+              <a:t>O(log n)</a:t>
+            </a:r>
+            <a:r>
+              <a:rPr lang="zh-CN" altLang="en-US"/>
+              <a:t>。</a:t>
+            </a:r>
+            <a:endParaRPr lang="zh-CN" altLang="en-US"/>
+          </a:p>
+          <a:p>
+            <a:r>
+              <a:rPr lang="zh-CN" altLang="en-US"/>
+              <a:t>位掩码技巧</a:t>
+            </a:r>
+            <a:endParaRPr lang="zh-CN" altLang="en-US"/>
+          </a:p>
+          <a:p>
+            <a:r>
+              <a:rPr lang="zh-CN" altLang="en-US"/>
+              <a:t>在处理多个布尔变量时，可以用一个整数的不同位来存储这些变量的状态，节省空间并提高访问效率。</a:t>
+            </a:r>
+            <a:endParaRPr lang="zh-CN" altLang="en-US"/>
+          </a:p>
+        </p:txBody>
+      </p:sp>
+    </p:spTree>
+  </p:cSld>
+  <p:clrMapOvr>
+    <a:masterClrMapping/>
+  </p:clrMapOvr>
+</p:sld>
+</file>
+
+<file path=ppt/slides/slide12.xml><?xml version="1.0" encoding="utf-8"?>
+<p:sld xmlns:a="http://schemas.openxmlformats.org/drawingml/2006/main" xmlns:r="http://schemas.openxmlformats.org/officeDocument/2006/relationships" xmlns:p="http://schemas.openxmlformats.org/presentationml/2006/main">
+  <p:cSld>
+    <p:spTree>
+      <p:nvGrpSpPr>
+        <p:cNvPr id="1" name=""/>
+        <p:cNvGrpSpPr/>
+        <p:nvPr/>
+      </p:nvGrpSpPr>
+      <p:grpSpPr/>
+      <p:sp>
+        <p:nvSpPr>
+          <p:cNvPr id="2" name="标题 1"/>
+          <p:cNvSpPr>
+            <a:spLocks noGrp="1"/>
+          </p:cNvSpPr>
+          <p:nvPr>
+            <p:ph type="title"/>
+          </p:nvPr>
+        </p:nvSpPr>
+        <p:spPr/>
+        <p:txBody>
+          <a:bodyPr/>
+          <a:p>
+            <a:endParaRPr lang="zh-CN" altLang="en-US"/>
+          </a:p>
+        </p:txBody>
+      </p:sp>
+      <p:sp>
+        <p:nvSpPr>
+          <p:cNvPr id="3" name="内容占位符 2"/>
+          <p:cNvSpPr>
+            <a:spLocks noGrp="1"/>
+          </p:cNvSpPr>
+          <p:nvPr>
+            <p:ph idx="1"/>
+          </p:nvPr>
+        </p:nvSpPr>
+        <p:spPr/>
+        <p:txBody>
+          <a:bodyPr/>
+          <a:p>
+            <a:endParaRPr lang="zh-CN" altLang="en-US"/>
+          </a:p>
+        </p:txBody>
+      </p:sp>
+    </p:spTree>
   </p:cSld>
   <p:clrMapOvr>
     <a:masterClrMapping/>
@@ -3030,13 +3398,7 @@
       </p:grpSpPr>
       <p:sp>
         <p:nvSpPr>
-          <p:cNvPr id="2" name="标题 1">
-            <a:extLst>
-              <a:ext uri="{FF2B5EF4-FFF2-40B4-BE49-F238E27FC236}">
-                <a16:creationId xmlns:a16="http://schemas.microsoft.com/office/drawing/2014/main" id="{EA496109-47D0-3517-5FF6-4ED6A10600EF}"/>
-              </a:ext>
-            </a:extLst>
-          </p:cNvPr>
+          <p:cNvPr id="2" name="标题 1"/>
           <p:cNvSpPr>
             <a:spLocks noGrp="1"/>
           </p:cNvSpPr>
@@ -3062,13 +3424,7 @@
       </p:sp>
       <p:sp>
         <p:nvSpPr>
-          <p:cNvPr id="3" name="内容占位符 2">
-            <a:extLst>
-              <a:ext uri="{FF2B5EF4-FFF2-40B4-BE49-F238E27FC236}">
-                <a16:creationId xmlns:a16="http://schemas.microsoft.com/office/drawing/2014/main" id="{D91CAD24-A888-D37E-FEB2-BAD54AB8894A}"/>
-              </a:ext>
-            </a:extLst>
-          </p:cNvPr>
+          <p:cNvPr id="3" name="内容占位符 2"/>
           <p:cNvSpPr>
             <a:spLocks noGrp="1"/>
           </p:cNvSpPr>
@@ -3085,24 +3441,21 @@
               <a:rPr lang="zh-CN" altLang="en-US" dirty="0"/>
               <a:t>二进制是计算机内部运算中采用的进制，在这样的进制系统下，只有  两个数字，计算机内部的所有运算（包括位运算）都是在二进制的基础上进行的。</a:t>
             </a:r>
+            <a:endParaRPr lang="zh-CN" altLang="en-US" dirty="0"/>
           </a:p>
           <a:p>
             <a:r>
               <a:rPr lang="zh-CN" altLang="en-US" dirty="0"/>
               <a:t>但用二进制表示数字会让数字过长，因此为了方便表示的需要，通常会把二进制数转换为八进制或十六进制表示。</a:t>
             </a:r>
-          </a:p>
-          <a:p>
             <a:endParaRPr lang="zh-CN" altLang="en-US" dirty="0"/>
           </a:p>
+          <a:p>
+            <a:endParaRPr lang="zh-CN" altLang="en-US" dirty="0"/>
+          </a:p>
         </p:txBody>
       </p:sp>
     </p:spTree>
-    <p:extLst>
-      <p:ext uri="{BB962C8B-B14F-4D97-AF65-F5344CB8AC3E}">
-        <p14:creationId xmlns:p14="http://schemas.microsoft.com/office/powerpoint/2010/main" val="3884841308"/>
-      </p:ext>
-    </p:extLst>
   </p:cSld>
   <p:clrMapOvr>
     <a:masterClrMapping/>
@@ -3129,13 +3482,7 @@
       </p:grpSpPr>
       <p:sp>
         <p:nvSpPr>
-          <p:cNvPr id="2" name="标题 1">
-            <a:extLst>
-              <a:ext uri="{FF2B5EF4-FFF2-40B4-BE49-F238E27FC236}">
-                <a16:creationId xmlns:a16="http://schemas.microsoft.com/office/drawing/2014/main" id="{71A0C516-13E0-7BF2-857E-979CCF5B40DC}"/>
-              </a:ext>
-            </a:extLst>
-          </p:cNvPr>
+          <p:cNvPr id="2" name="标题 1"/>
           <p:cNvSpPr>
             <a:spLocks noGrp="1"/>
           </p:cNvSpPr>
@@ -3152,18 +3499,13 @@
               <a:rPr lang="zh-CN" altLang="en-US" dirty="0"/>
               <a:t>位运算</a:t>
             </a:r>
-          </a:p>
-        </p:txBody>
-      </p:sp>
-      <p:sp>
-        <p:nvSpPr>
-          <p:cNvPr id="3" name="内容占位符 2">
-            <a:extLst>
-              <a:ext uri="{FF2B5EF4-FFF2-40B4-BE49-F238E27FC236}">
-                <a16:creationId xmlns:a16="http://schemas.microsoft.com/office/drawing/2014/main" id="{82C95628-6E96-5966-CE4E-C008E27F8D9F}"/>
-              </a:ext>
-            </a:extLst>
-          </p:cNvPr>
+            <a:endParaRPr lang="zh-CN" altLang="en-US" dirty="0"/>
+          </a:p>
+        </p:txBody>
+      </p:sp>
+      <p:sp>
+        <p:nvSpPr>
+          <p:cNvPr id="3" name="内容占位符 2"/>
           <p:cNvSpPr>
             <a:spLocks noGrp="1"/>
           </p:cNvSpPr>
@@ -3192,6 +3534,7 @@
               <a:rPr lang="zh-CN" altLang="en-US" dirty="0"/>
               <a:t>。</a:t>
             </a:r>
+            <a:endParaRPr lang="zh-CN" altLang="en-US" dirty="0"/>
           </a:p>
           <a:p>
             <a:r>
@@ -3281,18 +3624,14 @@
               <a:rPr lang="zh-CN" altLang="en-US" dirty="0"/>
               <a:t>。</a:t>
             </a:r>
-          </a:p>
-          <a:p>
             <a:endParaRPr lang="zh-CN" altLang="en-US" dirty="0"/>
           </a:p>
+          <a:p>
+            <a:endParaRPr lang="zh-CN" altLang="en-US" dirty="0"/>
+          </a:p>
         </p:txBody>
       </p:sp>
     </p:spTree>
-    <p:extLst>
-      <p:ext uri="{BB962C8B-B14F-4D97-AF65-F5344CB8AC3E}">
-        <p14:creationId xmlns:p14="http://schemas.microsoft.com/office/powerpoint/2010/main" val="1633849740"/>
-      </p:ext>
-    </p:extLst>
   </p:cSld>
   <p:clrMapOvr>
     <a:masterClrMapping/>
@@ -3319,13 +3658,7 @@
       </p:grpSpPr>
       <p:sp>
         <p:nvSpPr>
-          <p:cNvPr id="2" name="标题 1">
-            <a:extLst>
-              <a:ext uri="{FF2B5EF4-FFF2-40B4-BE49-F238E27FC236}">
-                <a16:creationId xmlns:a16="http://schemas.microsoft.com/office/drawing/2014/main" id="{23CC6831-F301-0360-3DD8-19F091CFEBAB}"/>
-              </a:ext>
-            </a:extLst>
-          </p:cNvPr>
+          <p:cNvPr id="2" name="标题 1"/>
           <p:cNvSpPr>
             <a:spLocks noGrp="1"/>
           </p:cNvSpPr>
@@ -3351,13 +3684,7 @@
       </p:sp>
       <p:sp>
         <p:nvSpPr>
-          <p:cNvPr id="3" name="内容占位符 2">
-            <a:extLst>
-              <a:ext uri="{FF2B5EF4-FFF2-40B4-BE49-F238E27FC236}">
-                <a16:creationId xmlns:a16="http://schemas.microsoft.com/office/drawing/2014/main" id="{E9FA9D01-D92F-A15C-77C1-6ED90BBE3478}"/>
-              </a:ext>
-            </a:extLst>
-          </p:cNvPr>
+          <p:cNvPr id="3" name="内容占位符 2"/>
           <p:cNvSpPr>
             <a:spLocks noGrp="1"/>
           </p:cNvSpPr>
@@ -3406,20 +3733,14 @@
       </p:sp>
       <p:pic>
         <p:nvPicPr>
-          <p:cNvPr id="6" name="图片 5" descr="图形用户界面, 应用程序, Teams&#10;&#10;AI 生成的内容可能不正确。">
-            <a:extLst>
-              <a:ext uri="{FF2B5EF4-FFF2-40B4-BE49-F238E27FC236}">
-                <a16:creationId xmlns:a16="http://schemas.microsoft.com/office/drawing/2014/main" id="{8C1F32A7-4500-E5C2-BCA7-D6B34E9870B2}"/>
-              </a:ext>
-            </a:extLst>
-          </p:cNvPr>
+          <p:cNvPr id="6" name="图片 5" descr="图形用户界面, 应用程序, Teams&#10;&#10;AI 生成的内容可能不正确。"/>
           <p:cNvPicPr>
             <a:picLocks noChangeAspect="1"/>
           </p:cNvPicPr>
           <p:nvPr/>
         </p:nvPicPr>
         <p:blipFill>
-          <a:blip r:embed="rId2">
+          <a:blip r:embed="rId1">
             <a:extLst>
               <a:ext uri="{28A0092B-C50C-407E-A947-70E740481C1C}">
                 <a14:useLocalDpi xmlns:a14="http://schemas.microsoft.com/office/drawing/2010/main" val="0"/>
@@ -3442,20 +3763,14 @@
       </p:pic>
       <p:pic>
         <p:nvPicPr>
-          <p:cNvPr id="3073" name="Picture 1">
-            <a:extLst>
-              <a:ext uri="{FF2B5EF4-FFF2-40B4-BE49-F238E27FC236}">
-                <a16:creationId xmlns:a16="http://schemas.microsoft.com/office/drawing/2014/main" id="{7EE82BBA-21DB-E1B3-72C6-5B6C102A1742}"/>
-              </a:ext>
-            </a:extLst>
-          </p:cNvPr>
+          <p:cNvPr id="3073" name="Picture 1"/>
           <p:cNvPicPr>
             <a:picLocks noChangeAspect="1" noChangeArrowheads="1"/>
           </p:cNvPicPr>
           <p:nvPr/>
         </p:nvPicPr>
         <p:blipFill>
-          <a:blip r:embed="rId3">
+          <a:blip r:embed="rId2">
             <a:extLst>
               <a:ext uri="{28A0092B-C50C-407E-A947-70E740481C1C}">
                 <a14:useLocalDpi xmlns:a14="http://schemas.microsoft.com/office/drawing/2010/main" val="0"/>
@@ -3489,20 +3804,14 @@
       </p:pic>
       <p:pic>
         <p:nvPicPr>
-          <p:cNvPr id="3074" name="Picture 2">
-            <a:extLst>
-              <a:ext uri="{FF2B5EF4-FFF2-40B4-BE49-F238E27FC236}">
-                <a16:creationId xmlns:a16="http://schemas.microsoft.com/office/drawing/2014/main" id="{7A789D8E-9810-9FC5-049E-E74E9471F5C9}"/>
-              </a:ext>
-            </a:extLst>
-          </p:cNvPr>
+          <p:cNvPr id="3074" name="Picture 2"/>
           <p:cNvPicPr>
             <a:picLocks noChangeAspect="1" noChangeArrowheads="1"/>
           </p:cNvPicPr>
           <p:nvPr/>
         </p:nvPicPr>
         <p:blipFill>
-          <a:blip r:embed="rId3">
+          <a:blip r:embed="rId2">
             <a:extLst>
               <a:ext uri="{28A0092B-C50C-407E-A947-70E740481C1C}">
                 <a14:useLocalDpi xmlns:a14="http://schemas.microsoft.com/office/drawing/2010/main" val="0"/>
@@ -3536,20 +3845,14 @@
       </p:pic>
       <p:pic>
         <p:nvPicPr>
-          <p:cNvPr id="3075" name="Picture 3">
-            <a:extLst>
-              <a:ext uri="{FF2B5EF4-FFF2-40B4-BE49-F238E27FC236}">
-                <a16:creationId xmlns:a16="http://schemas.microsoft.com/office/drawing/2014/main" id="{7505C629-FC8B-CFAD-7630-D752A7E223DF}"/>
-              </a:ext>
-            </a:extLst>
-          </p:cNvPr>
+          <p:cNvPr id="3075" name="Picture 3"/>
           <p:cNvPicPr>
             <a:picLocks noChangeAspect="1" noChangeArrowheads="1"/>
           </p:cNvPicPr>
           <p:nvPr/>
         </p:nvPicPr>
         <p:blipFill>
-          <a:blip r:embed="rId3">
+          <a:blip r:embed="rId2">
             <a:extLst>
               <a:ext uri="{28A0092B-C50C-407E-A947-70E740481C1C}">
                 <a14:useLocalDpi xmlns:a14="http://schemas.microsoft.com/office/drawing/2010/main" val="0"/>
@@ -3583,20 +3886,14 @@
       </p:pic>
       <p:pic>
         <p:nvPicPr>
-          <p:cNvPr id="3076" name="Picture 4">
-            <a:extLst>
-              <a:ext uri="{FF2B5EF4-FFF2-40B4-BE49-F238E27FC236}">
-                <a16:creationId xmlns:a16="http://schemas.microsoft.com/office/drawing/2014/main" id="{A02092B6-E89B-4D02-E24F-594A282B29C2}"/>
-              </a:ext>
-            </a:extLst>
-          </p:cNvPr>
+          <p:cNvPr id="3076" name="Picture 4"/>
           <p:cNvPicPr>
             <a:picLocks noChangeAspect="1" noChangeArrowheads="1"/>
           </p:cNvPicPr>
           <p:nvPr/>
         </p:nvPicPr>
         <p:blipFill>
-          <a:blip r:embed="rId3">
+          <a:blip r:embed="rId2">
             <a:extLst>
               <a:ext uri="{28A0092B-C50C-407E-A947-70E740481C1C}">
                 <a14:useLocalDpi xmlns:a14="http://schemas.microsoft.com/office/drawing/2010/main" val="0"/>
@@ -3630,20 +3927,14 @@
       </p:pic>
       <p:pic>
         <p:nvPicPr>
-          <p:cNvPr id="3077" name="Picture 5">
-            <a:extLst>
-              <a:ext uri="{FF2B5EF4-FFF2-40B4-BE49-F238E27FC236}">
-                <a16:creationId xmlns:a16="http://schemas.microsoft.com/office/drawing/2014/main" id="{60723F7A-1A35-2A15-8C29-D89779C0C89C}"/>
-              </a:ext>
-            </a:extLst>
-          </p:cNvPr>
+          <p:cNvPr id="3077" name="Picture 5"/>
           <p:cNvPicPr>
             <a:picLocks noChangeAspect="1" noChangeArrowheads="1"/>
           </p:cNvPicPr>
           <p:nvPr/>
         </p:nvPicPr>
         <p:blipFill>
-          <a:blip r:embed="rId3">
+          <a:blip r:embed="rId2">
             <a:extLst>
               <a:ext uri="{28A0092B-C50C-407E-A947-70E740481C1C}">
                 <a14:useLocalDpi xmlns:a14="http://schemas.microsoft.com/office/drawing/2010/main" val="0"/>
@@ -3677,20 +3968,14 @@
       </p:pic>
       <p:pic>
         <p:nvPicPr>
-          <p:cNvPr id="3078" name="Picture 6">
-            <a:extLst>
-              <a:ext uri="{FF2B5EF4-FFF2-40B4-BE49-F238E27FC236}">
-                <a16:creationId xmlns:a16="http://schemas.microsoft.com/office/drawing/2014/main" id="{8B7B9F5D-C0E5-67EA-10A1-B087896EA9C3}"/>
-              </a:ext>
-            </a:extLst>
-          </p:cNvPr>
+          <p:cNvPr id="3078" name="Picture 6"/>
           <p:cNvPicPr>
             <a:picLocks noChangeAspect="1" noChangeArrowheads="1"/>
           </p:cNvPicPr>
           <p:nvPr/>
         </p:nvPicPr>
         <p:blipFill>
-          <a:blip r:embed="rId3">
+          <a:blip r:embed="rId2">
             <a:extLst>
               <a:ext uri="{28A0092B-C50C-407E-A947-70E740481C1C}">
                 <a14:useLocalDpi xmlns:a14="http://schemas.microsoft.com/office/drawing/2010/main" val="0"/>
@@ -3724,20 +4009,14 @@
       </p:pic>
       <p:pic>
         <p:nvPicPr>
-          <p:cNvPr id="3079" name="Picture 7">
-            <a:extLst>
-              <a:ext uri="{FF2B5EF4-FFF2-40B4-BE49-F238E27FC236}">
-                <a16:creationId xmlns:a16="http://schemas.microsoft.com/office/drawing/2014/main" id="{01B0B5E5-5A57-14A1-9AF4-6C7C0F9269BA}"/>
-              </a:ext>
-            </a:extLst>
-          </p:cNvPr>
+          <p:cNvPr id="3079" name="Picture 7"/>
           <p:cNvPicPr>
             <a:picLocks noChangeAspect="1" noChangeArrowheads="1"/>
           </p:cNvPicPr>
           <p:nvPr/>
         </p:nvPicPr>
         <p:blipFill>
-          <a:blip r:embed="rId3">
+          <a:blip r:embed="rId2">
             <a:extLst>
               <a:ext uri="{28A0092B-C50C-407E-A947-70E740481C1C}">
                 <a14:useLocalDpi xmlns:a14="http://schemas.microsoft.com/office/drawing/2010/main" val="0"/>
@@ -3771,20 +4050,14 @@
       </p:pic>
       <p:pic>
         <p:nvPicPr>
-          <p:cNvPr id="3080" name="Picture 8">
-            <a:extLst>
-              <a:ext uri="{FF2B5EF4-FFF2-40B4-BE49-F238E27FC236}">
-                <a16:creationId xmlns:a16="http://schemas.microsoft.com/office/drawing/2014/main" id="{0321CC51-3E23-B75A-9A86-44B6DC3E8C99}"/>
-              </a:ext>
-            </a:extLst>
-          </p:cNvPr>
+          <p:cNvPr id="3080" name="Picture 8"/>
           <p:cNvPicPr>
             <a:picLocks noChangeAspect="1" noChangeArrowheads="1"/>
           </p:cNvPicPr>
           <p:nvPr/>
         </p:nvPicPr>
         <p:blipFill>
-          <a:blip r:embed="rId3">
+          <a:blip r:embed="rId2">
             <a:extLst>
               <a:ext uri="{28A0092B-C50C-407E-A947-70E740481C1C}">
                 <a14:useLocalDpi xmlns:a14="http://schemas.microsoft.com/office/drawing/2010/main" val="0"/>
@@ -3818,20 +4091,14 @@
       </p:pic>
       <p:pic>
         <p:nvPicPr>
-          <p:cNvPr id="3081" name="Picture 9">
-            <a:extLst>
-              <a:ext uri="{FF2B5EF4-FFF2-40B4-BE49-F238E27FC236}">
-                <a16:creationId xmlns:a16="http://schemas.microsoft.com/office/drawing/2014/main" id="{947E48C6-C658-6EFC-BD60-53D3BD1C2907}"/>
-              </a:ext>
-            </a:extLst>
-          </p:cNvPr>
+          <p:cNvPr id="3081" name="Picture 9"/>
           <p:cNvPicPr>
             <a:picLocks noChangeAspect="1" noChangeArrowheads="1"/>
           </p:cNvPicPr>
           <p:nvPr/>
         </p:nvPicPr>
         <p:blipFill>
-          <a:blip r:embed="rId3">
+          <a:blip r:embed="rId2">
             <a:extLst>
               <a:ext uri="{28A0092B-C50C-407E-A947-70E740481C1C}">
                 <a14:useLocalDpi xmlns:a14="http://schemas.microsoft.com/office/drawing/2010/main" val="0"/>
@@ -3865,20 +4132,14 @@
       </p:pic>
       <p:pic>
         <p:nvPicPr>
-          <p:cNvPr id="3082" name="Picture 10">
-            <a:extLst>
-              <a:ext uri="{FF2B5EF4-FFF2-40B4-BE49-F238E27FC236}">
-                <a16:creationId xmlns:a16="http://schemas.microsoft.com/office/drawing/2014/main" id="{1E5D0B7D-32BC-6893-E7C9-569C55F1DBE5}"/>
-              </a:ext>
-            </a:extLst>
-          </p:cNvPr>
+          <p:cNvPr id="3082" name="Picture 10"/>
           <p:cNvPicPr>
             <a:picLocks noChangeAspect="1" noChangeArrowheads="1"/>
           </p:cNvPicPr>
           <p:nvPr/>
         </p:nvPicPr>
         <p:blipFill>
-          <a:blip r:embed="rId3">
+          <a:blip r:embed="rId2">
             <a:extLst>
               <a:ext uri="{28A0092B-C50C-407E-A947-70E740481C1C}">
                 <a14:useLocalDpi xmlns:a14="http://schemas.microsoft.com/office/drawing/2010/main" val="0"/>
@@ -3911,11 +4172,6 @@
         </p:spPr>
       </p:pic>
     </p:spTree>
-    <p:extLst>
-      <p:ext uri="{BB962C8B-B14F-4D97-AF65-F5344CB8AC3E}">
-        <p14:creationId xmlns:p14="http://schemas.microsoft.com/office/powerpoint/2010/main" val="890920101"/>
-      </p:ext>
-    </p:extLst>
   </p:cSld>
   <p:clrMapOvr>
     <a:masterClrMapping/>
@@ -3932,23 +4188,10 @@
         <p:cNvGrpSpPr/>
         <p:nvPr/>
       </p:nvGrpSpPr>
-      <p:grpSpPr>
-        <a:xfrm>
-          <a:off x="0" y="0"/>
-          <a:ext cx="0" cy="0"/>
-          <a:chOff x="0" y="0"/>
-          <a:chExt cx="0" cy="0"/>
-        </a:xfrm>
-      </p:grpSpPr>
-      <p:sp>
-        <p:nvSpPr>
-          <p:cNvPr id="2" name="标题 1">
-            <a:extLst>
-              <a:ext uri="{FF2B5EF4-FFF2-40B4-BE49-F238E27FC236}">
-                <a16:creationId xmlns:a16="http://schemas.microsoft.com/office/drawing/2014/main" id="{E4B03AA8-1632-C0CC-DD42-00414DA4F9E4}"/>
-              </a:ext>
-            </a:extLst>
-          </p:cNvPr>
+      <p:grpSpPr/>
+      <p:sp>
+        <p:nvSpPr>
+          <p:cNvPr id="2" name="标题 1"/>
           <p:cNvSpPr>
             <a:spLocks noGrp="1"/>
           </p:cNvSpPr>
@@ -3959,24 +4202,22 @@
         <p:spPr/>
         <p:txBody>
           <a:bodyPr/>
-          <a:lstStyle/>
-          <a:p>
-            <a:r>
-              <a:rPr lang="zh-CN" altLang="en-US" dirty="0"/>
-              <a:t>取反</a:t>
-            </a:r>
-          </a:p>
-        </p:txBody>
-      </p:sp>
-      <p:sp>
-        <p:nvSpPr>
-          <p:cNvPr id="3" name="内容占位符 2">
-            <a:extLst>
-              <a:ext uri="{FF2B5EF4-FFF2-40B4-BE49-F238E27FC236}">
-                <a16:creationId xmlns:a16="http://schemas.microsoft.com/office/drawing/2014/main" id="{10A48A4E-14F2-AE1E-D924-6E74CC7FF228}"/>
-              </a:ext>
-            </a:extLst>
-          </p:cNvPr>
+          <a:p>
+            <a:r>
+              <a:rPr lang="zh-CN" altLang="en-US"/>
+              <a:t>数在计算机中的表现</a:t>
+            </a:r>
+            <a:r>
+              <a:rPr lang="zh-CN" altLang="en-US"/>
+              <a:t>方式</a:t>
+            </a:r>
+            <a:endParaRPr lang="zh-CN" altLang="en-US"/>
+          </a:p>
+        </p:txBody>
+      </p:sp>
+      <p:sp>
+        <p:nvSpPr>
+          <p:cNvPr id="3" name="内容占位符 2"/>
           <p:cNvSpPr>
             <a:spLocks noGrp="1"/>
           </p:cNvSpPr>
@@ -3987,18 +4228,12 @@
         <p:spPr/>
         <p:txBody>
           <a:bodyPr/>
-          <a:lstStyle/>
-          <a:p>
-            <a:endParaRPr lang="zh-CN" altLang="en-US" dirty="0"/>
+          <a:p>
+            <a:endParaRPr lang="zh-CN" altLang="en-US"/>
           </a:p>
         </p:txBody>
       </p:sp>
     </p:spTree>
-    <p:extLst>
-      <p:ext uri="{BB962C8B-B14F-4D97-AF65-F5344CB8AC3E}">
-        <p14:creationId xmlns:p14="http://schemas.microsoft.com/office/powerpoint/2010/main" val="3503159777"/>
-      </p:ext>
-    </p:extLst>
   </p:cSld>
   <p:clrMapOvr>
     <a:masterClrMapping/>
@@ -4033,26 +4268,11 @@
       </p:grpSpPr>
       <p:sp useBgFill="1">
         <p:nvSpPr>
-          <p:cNvPr id="8" name="Rectangle 7">
-            <a:extLst>
-              <a:ext uri="{FF2B5EF4-FFF2-40B4-BE49-F238E27FC236}">
-                <a16:creationId xmlns:a16="http://schemas.microsoft.com/office/drawing/2014/main" id="{907EF6B7-1338-4443-8C46-6A318D952DFD}"/>
-              </a:ext>
-              <a:ext uri="{C183D7F6-B498-43B3-948B-1728B52AA6E4}">
-                <adec:decorative xmlns:adec="http://schemas.microsoft.com/office/drawing/2017/decorative" val="1"/>
-              </a:ext>
-            </a:extLst>
-          </p:cNvPr>
+          <p:cNvPr id="8" name="Rectangle 7"/>
           <p:cNvSpPr>
             <a:spLocks noGrp="1" noRot="1" noChangeAspect="1" noMove="1" noResize="1" noEditPoints="1" noAdjustHandles="1" noChangeArrowheads="1" noChangeShapeType="1" noTextEdit="1"/>
           </p:cNvSpPr>
-          <p:nvPr>
-            <p:extLst>
-              <p:ext uri="{386F3935-93C4-4BCD-93E2-E3B085C9AB24}">
-                <p16:designElem xmlns:p16="http://schemas.microsoft.com/office/powerpoint/2015/main" val="1"/>
-              </p:ext>
-            </p:extLst>
-          </p:nvPr>
+          <p:nvPr/>
         </p:nvSpPr>
         <p:spPr>
           <a:xfrm>
@@ -4093,26 +4313,11 @@
       </p:sp>
       <p:sp>
         <p:nvSpPr>
-          <p:cNvPr id="5" name="Freeform: Shape 9">
-            <a:extLst>
-              <a:ext uri="{FF2B5EF4-FFF2-40B4-BE49-F238E27FC236}">
-                <a16:creationId xmlns:a16="http://schemas.microsoft.com/office/drawing/2014/main" id="{DAAE4CDD-124C-4DCF-9584-B6033B545DD5}"/>
-              </a:ext>
-              <a:ext uri="{C183D7F6-B498-43B3-948B-1728B52AA6E4}">
-                <adec:decorative xmlns:adec="http://schemas.microsoft.com/office/drawing/2017/decorative" val="1"/>
-              </a:ext>
-            </a:extLst>
-          </p:cNvPr>
+          <p:cNvPr id="5" name="Freeform: Shape 9"/>
           <p:cNvSpPr>
             <a:spLocks noGrp="1" noRot="1" noChangeAspect="1" noMove="1" noResize="1" noEditPoints="1" noAdjustHandles="1" noChangeArrowheads="1" noChangeShapeType="1" noTextEdit="1"/>
           </p:cNvSpPr>
-          <p:nvPr>
-            <p:extLst>
-              <p:ext uri="{386F3935-93C4-4BCD-93E2-E3B085C9AB24}">
-                <p16:designElem xmlns:p16="http://schemas.microsoft.com/office/powerpoint/2015/main" val="1"/>
-              </p:ext>
-            </p:extLst>
-          </p:nvPr>
+          <p:nvPr/>
         </p:nvSpPr>
         <p:spPr>
           <a:xfrm>
@@ -4227,13 +4432,7 @@
       </p:sp>
       <p:sp>
         <p:nvSpPr>
-          <p:cNvPr id="2" name="标题 1">
-            <a:extLst>
-              <a:ext uri="{FF2B5EF4-FFF2-40B4-BE49-F238E27FC236}">
-                <a16:creationId xmlns:a16="http://schemas.microsoft.com/office/drawing/2014/main" id="{8AC82A20-ADA4-9B25-F93B-B45D8994691E}"/>
-              </a:ext>
-            </a:extLst>
-          </p:cNvPr>
+          <p:cNvPr id="2" name="标题 1"/>
           <p:cNvSpPr>
             <a:spLocks noGrp="1"/>
           </p:cNvSpPr>
@@ -4261,31 +4460,21 @@
               </a:rPr>
               <a:t>原码、反码、补码</a:t>
             </a:r>
-          </a:p>
-        </p:txBody>
-      </p:sp>
-      <p:sp>
-        <p:nvSpPr>
-          <p:cNvPr id="12" name="Arc 11">
-            <a:extLst>
-              <a:ext uri="{FF2B5EF4-FFF2-40B4-BE49-F238E27FC236}">
-                <a16:creationId xmlns:a16="http://schemas.microsoft.com/office/drawing/2014/main" id="{081E4A58-353D-44AE-B2FC-2A74E2E400F7}"/>
-              </a:ext>
-              <a:ext uri="{C183D7F6-B498-43B3-948B-1728B52AA6E4}">
-                <adec:decorative xmlns:adec="http://schemas.microsoft.com/office/drawing/2017/decorative" val="1"/>
-              </a:ext>
-            </a:extLst>
-          </p:cNvPr>
+            <a:endParaRPr lang="zh-CN" altLang="en-US" dirty="0">
+              <a:solidFill>
+                <a:srgbClr val="FFFFFF"/>
+              </a:solidFill>
+            </a:endParaRPr>
+          </a:p>
+        </p:txBody>
+      </p:sp>
+      <p:sp>
+        <p:nvSpPr>
+          <p:cNvPr id="12" name="Arc 11"/>
           <p:cNvSpPr>
             <a:spLocks noGrp="1" noRot="1" noChangeAspect="1" noMove="1" noResize="1" noEditPoints="1" noAdjustHandles="1" noChangeArrowheads="1" noChangeShapeType="1" noTextEdit="1"/>
           </p:cNvSpPr>
-          <p:nvPr>
-            <p:extLst>
-              <p:ext uri="{386F3935-93C4-4BCD-93E2-E3B085C9AB24}">
-                <p16:designElem xmlns:p16="http://schemas.microsoft.com/office/powerpoint/2015/main" val="1"/>
-              </p:ext>
-            </p:extLst>
-          </p:nvPr>
+          <p:nvPr/>
         </p:nvSpPr>
         <p:spPr>
           <a:xfrm flipV="1">
@@ -4327,13 +4516,7 @@
       </p:sp>
       <p:sp>
         <p:nvSpPr>
-          <p:cNvPr id="3" name="内容占位符 2">
-            <a:extLst>
-              <a:ext uri="{FF2B5EF4-FFF2-40B4-BE49-F238E27FC236}">
-                <a16:creationId xmlns:a16="http://schemas.microsoft.com/office/drawing/2014/main" id="{EC85DF01-D6F0-A1AA-AB22-A8D3CD407754}"/>
-              </a:ext>
-            </a:extLst>
-          </p:cNvPr>
+          <p:cNvPr id="3" name="内容占位符 2"/>
           <p:cNvSpPr>
             <a:spLocks noGrp="1"/>
           </p:cNvSpPr>
@@ -4409,6 +4592,7 @@
               <a:rPr lang="zh-CN" altLang="en-US" sz="1500"/>
               <a:t>：</a:t>
             </a:r>
+            <a:endParaRPr lang="zh-CN" altLang="en-US" sz="1500"/>
           </a:p>
           <a:p>
             <a:pPr marL="914400" lvl="2" indent="0">
@@ -4454,6 +4638,7 @@
               <a:rPr lang="zh-CN" altLang="en-US" sz="1500"/>
               <a:t>）</a:t>
             </a:r>
+            <a:endParaRPr lang="zh-CN" altLang="en-US" sz="1500"/>
           </a:p>
           <a:p>
             <a:pPr marL="914400" lvl="2" indent="0">
@@ -4499,6 +4684,7 @@
               <a:rPr lang="zh-CN" altLang="en-US" sz="1500"/>
               <a:t>）</a:t>
             </a:r>
+            <a:endParaRPr lang="zh-CN" altLang="en-US" sz="1500"/>
           </a:p>
           <a:p>
             <a:r>
@@ -4533,6 +4719,7 @@
               <a:rPr lang="zh-CN" altLang="en-US" sz="1500"/>
               <a:t>正数： 与原码相同。</a:t>
             </a:r>
+            <a:endParaRPr lang="zh-CN" altLang="en-US" sz="1500"/>
           </a:p>
           <a:p>
             <a:pPr marL="1371600" lvl="3" indent="0">
@@ -4599,6 +4786,7 @@
               <a:rPr lang="zh-CN" altLang="en-US" sz="1500"/>
               <a:t>定义：</a:t>
             </a:r>
+            <a:endParaRPr lang="zh-CN" altLang="en-US" sz="1500"/>
           </a:p>
           <a:p>
             <a:pPr marL="457200" lvl="1" indent="0">
@@ -4608,6 +4796,7 @@
               <a:rPr lang="zh-CN" altLang="en-US" sz="1500"/>
               <a:t>正数： 与原码、反码相同。</a:t>
             </a:r>
+            <a:endParaRPr lang="zh-CN" altLang="en-US" sz="1500"/>
           </a:p>
           <a:p>
             <a:pPr marL="457200" lvl="1" indent="0">
@@ -4625,6 +4814,7 @@
               <a:rPr lang="zh-CN" altLang="en-US" sz="1500"/>
               <a:t>。</a:t>
             </a:r>
+            <a:endParaRPr lang="zh-CN" altLang="en-US" sz="1500"/>
           </a:p>
           <a:p>
             <a:pPr marL="457200" lvl="1" indent="0">
@@ -4635,11 +4825,6 @@
         </p:txBody>
       </p:sp>
     </p:spTree>
-    <p:extLst>
-      <p:ext uri="{BB962C8B-B14F-4D97-AF65-F5344CB8AC3E}">
-        <p14:creationId xmlns:p14="http://schemas.microsoft.com/office/powerpoint/2010/main" val="257247793"/>
-      </p:ext>
-    </p:extLst>
   </p:cSld>
   <p:clrMapOvr>
     <a:masterClrMapping/>
@@ -4666,13 +4851,7 @@
       </p:grpSpPr>
       <p:sp>
         <p:nvSpPr>
-          <p:cNvPr id="2" name="标题 1">
-            <a:extLst>
-              <a:ext uri="{FF2B5EF4-FFF2-40B4-BE49-F238E27FC236}">
-                <a16:creationId xmlns:a16="http://schemas.microsoft.com/office/drawing/2014/main" id="{1B19A202-7F54-2179-FDFA-B5701627EC63}"/>
-              </a:ext>
-            </a:extLst>
-          </p:cNvPr>
+          <p:cNvPr id="2" name="标题 1"/>
           <p:cNvSpPr>
             <a:spLocks noGrp="1"/>
           </p:cNvSpPr>
@@ -4680,12 +4859,7 @@
             <p:ph type="title"/>
           </p:nvPr>
         </p:nvSpPr>
-        <p:spPr>
-          <a:xfrm>
-            <a:off x="838200" y="365125"/>
-            <a:ext cx="10515600" cy="1052195"/>
-          </a:xfrm>
-        </p:spPr>
+        <p:spPr/>
         <p:txBody>
           <a:bodyPr/>
           <a:lstStyle/>
@@ -4694,176 +4868,142 @@
               <a:rPr lang="zh-CN" altLang="en-US" dirty="0"/>
               <a:t>取反</a:t>
             </a:r>
-          </a:p>
-        </p:txBody>
-      </p:sp>
-      <p:pic>
-        <p:nvPicPr>
-          <p:cNvPr id="5" name="内容占位符 4" descr="图片包含 文本&#10;&#10;AI 生成的内容可能不正确。">
-            <a:extLst>
-              <a:ext uri="{FF2B5EF4-FFF2-40B4-BE49-F238E27FC236}">
-                <a16:creationId xmlns:a16="http://schemas.microsoft.com/office/drawing/2014/main" id="{E3A99FD0-9DF4-160F-CE73-82643CBA160D}"/>
-              </a:ext>
-            </a:extLst>
-          </p:cNvPr>
-          <p:cNvPicPr>
-            <a:picLocks noGrp="1" noChangeAspect="1"/>
-          </p:cNvPicPr>
+            <a:endParaRPr lang="zh-CN" altLang="en-US" dirty="0"/>
+          </a:p>
+        </p:txBody>
+      </p:sp>
+      <p:sp>
+        <p:nvSpPr>
+          <p:cNvPr id="3" name="内容占位符 2"/>
+          <p:cNvSpPr>
+            <a:spLocks noGrp="1"/>
+          </p:cNvSpPr>
           <p:nvPr>
             <p:ph idx="1"/>
           </p:nvPr>
-        </p:nvPicPr>
-        <p:blipFill>
-          <a:blip r:embed="rId2">
-            <a:extLst>
-              <a:ext uri="{28A0092B-C50C-407E-A947-70E740481C1C}">
-                <a14:useLocalDpi xmlns:a14="http://schemas.microsoft.com/office/drawing/2010/main" val="0"/>
-              </a:ext>
-            </a:extLst>
-          </a:blip>
-          <a:stretch>
-            <a:fillRect/>
-          </a:stretch>
-        </p:blipFill>
-        <p:spPr>
-          <a:xfrm>
-            <a:off x="899160" y="2772450"/>
-            <a:ext cx="5296639" cy="819264"/>
-          </a:xfrm>
-        </p:spPr>
-      </p:pic>
-      <p:sp>
-        <p:nvSpPr>
-          <p:cNvPr id="6" name="文本框 5">
-            <a:extLst>
-              <a:ext uri="{FF2B5EF4-FFF2-40B4-BE49-F238E27FC236}">
-                <a16:creationId xmlns:a16="http://schemas.microsoft.com/office/drawing/2014/main" id="{162F4580-1633-5D0E-71B5-913533A19F02}"/>
-              </a:ext>
-            </a:extLst>
-          </p:cNvPr>
-          <p:cNvSpPr txBox="1"/>
-          <p:nvPr/>
-        </p:nvSpPr>
-        <p:spPr>
-          <a:xfrm>
-            <a:off x="955040" y="1508760"/>
-            <a:ext cx="3916680" cy="369332"/>
-          </a:xfrm>
-          <a:prstGeom prst="rect">
-            <a:avLst/>
-          </a:prstGeom>
-          <a:noFill/>
-        </p:spPr>
-        <p:txBody>
-          <a:bodyPr wrap="square" rtlCol="0">
-            <a:spAutoFit/>
-          </a:bodyPr>
+        </p:nvSpPr>
+        <p:spPr/>
+        <p:txBody>
+          <a:bodyPr/>
           <a:lstStyle/>
           <a:p>
             <a:r>
               <a:rPr lang="zh-CN" altLang="en-US" dirty="0"/>
-              <a:t>在计算机中存储整数使用的都是补码</a:t>
-            </a:r>
-          </a:p>
-        </p:txBody>
-      </p:sp>
-      <p:sp>
-        <p:nvSpPr>
-          <p:cNvPr id="7" name="文本框 6">
-            <a:extLst>
-              <a:ext uri="{FF2B5EF4-FFF2-40B4-BE49-F238E27FC236}">
-                <a16:creationId xmlns:a16="http://schemas.microsoft.com/office/drawing/2014/main" id="{70EECEBB-F2C6-5AC3-57E7-8D18314708BD}"/>
-              </a:ext>
-            </a:extLst>
-          </p:cNvPr>
-          <p:cNvSpPr txBox="1"/>
-          <p:nvPr/>
-        </p:nvSpPr>
-        <p:spPr>
-          <a:xfrm>
-            <a:off x="899160" y="2016760"/>
-            <a:ext cx="5359400" cy="646331"/>
-          </a:xfrm>
-          <a:prstGeom prst="rect">
-            <a:avLst/>
-          </a:prstGeom>
-          <a:noFill/>
-        </p:spPr>
-        <p:txBody>
-          <a:bodyPr wrap="square" rtlCol="0">
-            <a:spAutoFit/>
-          </a:bodyPr>
-          <a:lstStyle/>
-          <a:p>
+              <a:t>取反是对一个数</a:t>
+            </a:r>
+            <a:r>
+              <a:rPr lang="en-US" altLang="zh-CN" dirty="0"/>
+              <a:t> num </a:t>
+            </a:r>
             <a:r>
               <a:rPr lang="zh-CN" altLang="en-US" dirty="0"/>
-              <a:t>取反会将一个二进制数的每一位都取反，但是这并不意味着</a:t>
+              <a:t>进行的位运算。</a:t>
+            </a:r>
+            <a:endParaRPr lang="zh-CN" altLang="en-US" dirty="0"/>
+          </a:p>
+          <a:p>
+            <a:endParaRPr lang="en-US" altLang="zh-CN" dirty="0"/>
+          </a:p>
+          <a:p>
+            <a:r>
+              <a:rPr lang="zh-CN" altLang="en-US" dirty="0"/>
+              <a:t>取反暂无默认的数学符号表示，其对应的运算符为</a:t>
             </a:r>
             <a:r>
               <a:rPr lang="en-US" altLang="zh-CN" dirty="0"/>
-              <a:t>10</a:t>
+              <a:t> ~</a:t>
             </a:r>
             <a:r>
               <a:rPr lang="zh-CN" altLang="en-US" dirty="0"/>
-              <a:t>取反后是</a:t>
+              <a:t>。它的作用是把</a:t>
             </a:r>
             <a:r>
               <a:rPr lang="en-US" altLang="zh-CN" dirty="0"/>
-              <a:t>-10</a:t>
+              <a:t> num </a:t>
+            </a:r>
+            <a:r>
+              <a:rPr lang="zh-CN" altLang="en-US" dirty="0"/>
+              <a:t>的二进制补码中的</a:t>
+            </a:r>
+            <a:r>
+              <a:rPr lang="en-US" altLang="zh-CN" dirty="0"/>
+              <a:t> 0 </a:t>
+            </a:r>
+            <a:r>
+              <a:rPr lang="zh-CN" altLang="en-US" dirty="0"/>
+              <a:t>和</a:t>
+            </a:r>
+            <a:r>
+              <a:rPr lang="en-US" altLang="zh-CN" dirty="0"/>
+              <a:t> 1 </a:t>
+            </a:r>
+            <a:r>
+              <a:rPr lang="zh-CN" altLang="en-US" dirty="0"/>
+              <a:t>全部取反（</a:t>
+            </a:r>
+            <a:r>
+              <a:rPr lang="en-US" altLang="zh-CN" dirty="0"/>
+              <a:t>0 </a:t>
+            </a:r>
+            <a:r>
+              <a:rPr lang="zh-CN" altLang="en-US" dirty="0"/>
+              <a:t>变为</a:t>
+            </a:r>
+            <a:r>
+              <a:rPr lang="en-US" altLang="zh-CN" dirty="0"/>
+              <a:t> 1</a:t>
+            </a:r>
+            <a:r>
+              <a:rPr lang="zh-CN" altLang="en-US" dirty="0"/>
+              <a:t>，</a:t>
+            </a:r>
+            <a:r>
+              <a:rPr lang="en-US" altLang="zh-CN" dirty="0"/>
+              <a:t>1 </a:t>
+            </a:r>
+            <a:r>
+              <a:rPr lang="zh-CN" altLang="en-US" dirty="0"/>
+              <a:t>变为</a:t>
+            </a:r>
+            <a:r>
+              <a:rPr lang="en-US" altLang="zh-CN" dirty="0"/>
+              <a:t> 0</a:t>
+            </a:r>
+            <a:r>
+              <a:rPr lang="zh-CN" altLang="en-US" dirty="0"/>
+              <a:t>）。有符号整数的符号位在</a:t>
+            </a:r>
+            <a:r>
+              <a:rPr lang="en-US" altLang="zh-CN" dirty="0"/>
+              <a:t> ~ </a:t>
+            </a:r>
+            <a:r>
+              <a:rPr lang="zh-CN" altLang="en-US" dirty="0"/>
+              <a:t>运算中同样会取反。</a:t>
             </a:r>
             <a:endParaRPr lang="zh-CN" altLang="en-US" dirty="0"/>
           </a:p>
-        </p:txBody>
-      </p:sp>
-      <p:sp>
-        <p:nvSpPr>
-          <p:cNvPr id="8" name="文本框 7">
-            <a:extLst>
-              <a:ext uri="{FF2B5EF4-FFF2-40B4-BE49-F238E27FC236}">
-                <a16:creationId xmlns:a16="http://schemas.microsoft.com/office/drawing/2014/main" id="{6058B0A2-6D4B-0B09-4BC9-609842EC038D}"/>
-              </a:ext>
-            </a:extLst>
-          </p:cNvPr>
-          <p:cNvSpPr txBox="1"/>
-          <p:nvPr/>
-        </p:nvSpPr>
-        <p:spPr>
-          <a:xfrm>
-            <a:off x="1127760" y="3911600"/>
-            <a:ext cx="2067560" cy="923330"/>
-          </a:xfrm>
-          <a:prstGeom prst="rect">
-            <a:avLst/>
-          </a:prstGeom>
-          <a:noFill/>
-        </p:spPr>
-        <p:txBody>
-          <a:bodyPr wrap="square" rtlCol="0">
-            <a:spAutoFit/>
-          </a:bodyPr>
-          <a:lstStyle/>
+          <a:p>
+            <a:endParaRPr lang="en-US" altLang="zh-CN" dirty="0"/>
+          </a:p>
           <a:p>
             <a:r>
               <a:rPr lang="zh-CN" altLang="en-US" dirty="0"/>
-              <a:t>为了方便演示，我们统一假设位</a:t>
+              <a:t>补码：在二进制表示下，正数和</a:t>
             </a:r>
             <a:r>
               <a:rPr lang="en-US" altLang="zh-CN" dirty="0"/>
-              <a:t>8</a:t>
+              <a:t> 0 </a:t>
             </a:r>
             <a:r>
               <a:rPr lang="zh-CN" altLang="en-US" dirty="0"/>
-              <a:t>位二进制数</a:t>
-            </a:r>
+              <a:t>的补码为其本身，负数的补码是将其对应正数按位取反后加一。</a:t>
+            </a:r>
+            <a:endParaRPr lang="zh-CN" altLang="en-US" dirty="0"/>
           </a:p>
         </p:txBody>
       </p:sp>
     </p:spTree>
-    <p:extLst>
-      <p:ext uri="{BB962C8B-B14F-4D97-AF65-F5344CB8AC3E}">
-        <p14:creationId xmlns:p14="http://schemas.microsoft.com/office/powerpoint/2010/main" val="1171718869"/>
-      </p:ext>
-    </p:extLst>
   </p:cSld>
   <p:clrMapOvr>
     <a:masterClrMapping/>
@@ -4890,13 +5030,199 @@
       </p:grpSpPr>
       <p:sp>
         <p:nvSpPr>
-          <p:cNvPr id="2" name="标题 1">
+          <p:cNvPr id="2" name="标题 1"/>
+          <p:cNvSpPr>
+            <a:spLocks noGrp="1"/>
+          </p:cNvSpPr>
+          <p:nvPr>
+            <p:ph type="title"/>
+          </p:nvPr>
+        </p:nvSpPr>
+        <p:spPr>
+          <a:xfrm>
+            <a:off x="838200" y="365125"/>
+            <a:ext cx="10515600" cy="1052195"/>
+          </a:xfrm>
+        </p:spPr>
+        <p:txBody>
+          <a:bodyPr/>
+          <a:lstStyle/>
+          <a:p>
+            <a:r>
+              <a:rPr lang="zh-CN" altLang="en-US" dirty="0"/>
+              <a:t>取反</a:t>
+            </a:r>
+            <a:endParaRPr lang="zh-CN" altLang="en-US" dirty="0"/>
+          </a:p>
+        </p:txBody>
+      </p:sp>
+      <p:pic>
+        <p:nvPicPr>
+          <p:cNvPr id="5" name="内容占位符 4" descr="图片包含 文本&#10;&#10;AI 生成的内容可能不正确。"/>
+          <p:cNvPicPr>
+            <a:picLocks noGrp="1" noChangeAspect="1"/>
+          </p:cNvPicPr>
+          <p:nvPr>
+            <p:ph idx="1"/>
+          </p:nvPr>
+        </p:nvPicPr>
+        <p:blipFill>
+          <a:blip r:embed="rId1">
             <a:extLst>
-              <a:ext uri="{FF2B5EF4-FFF2-40B4-BE49-F238E27FC236}">
-                <a16:creationId xmlns:a16="http://schemas.microsoft.com/office/drawing/2014/main" id="{531779CA-790D-2DEE-C174-7F6374C7570A}"/>
+              <a:ext uri="{28A0092B-C50C-407E-A947-70E740481C1C}">
+                <a14:useLocalDpi xmlns:a14="http://schemas.microsoft.com/office/drawing/2010/main" val="0"/>
               </a:ext>
             </a:extLst>
-          </p:cNvPr>
+          </a:blip>
+          <a:stretch>
+            <a:fillRect/>
+          </a:stretch>
+        </p:blipFill>
+        <p:spPr>
+          <a:xfrm>
+            <a:off x="899160" y="2772450"/>
+            <a:ext cx="5296639" cy="819264"/>
+          </a:xfrm>
+        </p:spPr>
+      </p:pic>
+      <p:sp>
+        <p:nvSpPr>
+          <p:cNvPr id="6" name="文本框 5"/>
+          <p:cNvSpPr txBox="1"/>
+          <p:nvPr/>
+        </p:nvSpPr>
+        <p:spPr>
+          <a:xfrm>
+            <a:off x="955040" y="1508760"/>
+            <a:ext cx="3916680" cy="369332"/>
+          </a:xfrm>
+          <a:prstGeom prst="rect">
+            <a:avLst/>
+          </a:prstGeom>
+          <a:noFill/>
+        </p:spPr>
+        <p:txBody>
+          <a:bodyPr wrap="square" rtlCol="0">
+            <a:spAutoFit/>
+          </a:bodyPr>
+          <a:lstStyle/>
+          <a:p>
+            <a:r>
+              <a:rPr lang="zh-CN" altLang="en-US" dirty="0"/>
+              <a:t>在计算机中存储整数使用的都是补码</a:t>
+            </a:r>
+            <a:endParaRPr lang="zh-CN" altLang="en-US" dirty="0"/>
+          </a:p>
+        </p:txBody>
+      </p:sp>
+      <p:sp>
+        <p:nvSpPr>
+          <p:cNvPr id="7" name="文本框 6"/>
+          <p:cNvSpPr txBox="1"/>
+          <p:nvPr/>
+        </p:nvSpPr>
+        <p:spPr>
+          <a:xfrm>
+            <a:off x="899160" y="2016760"/>
+            <a:ext cx="5359400" cy="646331"/>
+          </a:xfrm>
+          <a:prstGeom prst="rect">
+            <a:avLst/>
+          </a:prstGeom>
+          <a:noFill/>
+        </p:spPr>
+        <p:txBody>
+          <a:bodyPr wrap="square" rtlCol="0">
+            <a:spAutoFit/>
+          </a:bodyPr>
+          <a:lstStyle/>
+          <a:p>
+            <a:r>
+              <a:rPr lang="zh-CN" altLang="en-US" dirty="0"/>
+              <a:t>取反会将一个二进制数的每一位都取反，但是这并不意味着</a:t>
+            </a:r>
+            <a:r>
+              <a:rPr lang="en-US" altLang="zh-CN" dirty="0"/>
+              <a:t>10</a:t>
+            </a:r>
+            <a:r>
+              <a:rPr lang="zh-CN" altLang="en-US" dirty="0"/>
+              <a:t>取反后是</a:t>
+            </a:r>
+            <a:r>
+              <a:rPr lang="en-US" altLang="zh-CN" dirty="0"/>
+              <a:t>-10</a:t>
+            </a:r>
+            <a:endParaRPr lang="zh-CN" altLang="en-US" dirty="0"/>
+          </a:p>
+        </p:txBody>
+      </p:sp>
+      <p:sp>
+        <p:nvSpPr>
+          <p:cNvPr id="8" name="文本框 7"/>
+          <p:cNvSpPr txBox="1"/>
+          <p:nvPr/>
+        </p:nvSpPr>
+        <p:spPr>
+          <a:xfrm>
+            <a:off x="1127760" y="3911600"/>
+            <a:ext cx="2067560" cy="923330"/>
+          </a:xfrm>
+          <a:prstGeom prst="rect">
+            <a:avLst/>
+          </a:prstGeom>
+          <a:noFill/>
+        </p:spPr>
+        <p:txBody>
+          <a:bodyPr wrap="square" rtlCol="0">
+            <a:spAutoFit/>
+          </a:bodyPr>
+          <a:lstStyle/>
+          <a:p>
+            <a:r>
+              <a:rPr lang="zh-CN" altLang="en-US" dirty="0"/>
+              <a:t>为了方便演示，我们统一假设位</a:t>
+            </a:r>
+            <a:r>
+              <a:rPr lang="en-US" altLang="zh-CN" dirty="0"/>
+              <a:t>8</a:t>
+            </a:r>
+            <a:r>
+              <a:rPr lang="zh-CN" altLang="en-US" dirty="0"/>
+              <a:t>位二进制数</a:t>
+            </a:r>
+            <a:endParaRPr lang="zh-CN" altLang="en-US" dirty="0"/>
+          </a:p>
+        </p:txBody>
+      </p:sp>
+    </p:spTree>
+  </p:cSld>
+  <p:clrMapOvr>
+    <a:masterClrMapping/>
+  </p:clrMapOvr>
+</p:sld>
+</file>
+
+<file path=ppt/slides/slide9.xml><?xml version="1.0" encoding="utf-8"?>
+<p:sld xmlns:a="http://schemas.openxmlformats.org/drawingml/2006/main" xmlns:r="http://schemas.openxmlformats.org/officeDocument/2006/relationships" xmlns:p="http://schemas.openxmlformats.org/presentationml/2006/main">
+  <p:cSld>
+    <p:spTree>
+      <p:nvGrpSpPr>
+        <p:cNvPr id="1" name=""/>
+        <p:cNvGrpSpPr/>
+        <p:nvPr/>
+      </p:nvGrpSpPr>
+      <p:grpSpPr>
+        <a:xfrm>
+          <a:off x="0" y="0"/>
+          <a:ext cx="0" cy="0"/>
+          <a:chOff x="0" y="0"/>
+          <a:chExt cx="0" cy="0"/>
+        </a:xfrm>
+      </p:grpSpPr>
+      <p:sp>
+        <p:nvSpPr>
+          <p:cNvPr id="2" name="标题 1"/>
           <p:cNvSpPr>
             <a:spLocks noGrp="1"/>
           </p:cNvSpPr>
@@ -4913,18 +5239,13 @@
               <a:rPr lang="zh-CN" altLang="en-US" dirty="0"/>
               <a:t>左移和右移</a:t>
             </a:r>
-          </a:p>
-        </p:txBody>
-      </p:sp>
-      <p:sp>
-        <p:nvSpPr>
-          <p:cNvPr id="3" name="内容占位符 2">
-            <a:extLst>
-              <a:ext uri="{FF2B5EF4-FFF2-40B4-BE49-F238E27FC236}">
-                <a16:creationId xmlns:a16="http://schemas.microsoft.com/office/drawing/2014/main" id="{9681852B-7546-66AD-635D-B5A5B5F2E6A8}"/>
-              </a:ext>
-            </a:extLst>
-          </p:cNvPr>
+            <a:endParaRPr lang="zh-CN" altLang="en-US" dirty="0"/>
+          </a:p>
+        </p:txBody>
+      </p:sp>
+      <p:sp>
+        <p:nvSpPr>
+          <p:cNvPr id="3" name="内容占位符 2"/>
           <p:cNvSpPr>
             <a:spLocks noGrp="1"/>
           </p:cNvSpPr>
@@ -4965,6 +5286,7 @@
               <a:rPr lang="zh-CN" altLang="en-US" dirty="0"/>
               <a:t>位所得的值。</a:t>
             </a:r>
+            <a:endParaRPr lang="zh-CN" altLang="en-US" dirty="0"/>
           </a:p>
           <a:p>
             <a:r>
@@ -4991,18 +5313,14 @@
               <a:rPr lang="zh-CN" altLang="en-US" dirty="0"/>
               <a:t> 位所得的值。</a:t>
             </a:r>
-          </a:p>
-          <a:p>
             <a:endParaRPr lang="zh-CN" altLang="en-US" dirty="0"/>
           </a:p>
+          <a:p>
+            <a:endParaRPr lang="zh-CN" altLang="en-US" dirty="0"/>
+          </a:p>
         </p:txBody>
       </p:sp>
     </p:spTree>
-    <p:extLst>
-      <p:ext uri="{BB962C8B-B14F-4D97-AF65-F5344CB8AC3E}">
-        <p14:creationId xmlns:p14="http://schemas.microsoft.com/office/powerpoint/2010/main" val="3028952567"/>
-      </p:ext>
-    </p:extLst>
   </p:cSld>
   <p:clrMapOvr>
     <a:masterClrMapping/>
@@ -5253,8 +5571,6 @@
       </a:bgFillStyleLst>
     </a:fmtScheme>
   </a:themeElements>
-  <a:objectDefaults/>
-  <a:extraClrSchemeLst/>
   <a:extLst>
     <a:ext uri="{05A4C25C-085E-4340-85A3-A5531E510DB2}">
       <thm15:themeFamily xmlns:thm15="http://schemas.microsoft.com/office/thememl/2012/main" name="Office Theme" id="{62F939B6-93AF-4DB8-9C6B-D6C7DFDC589F}" vid="{4A3C46E8-61CC-4603-A589-7422A47A8E4A}"/>

--- a/算法竞赛ppt/001_二进制和位运算.pptx
+++ b/算法竞赛ppt/001_二进制和位运算.pptx
@@ -9,11 +9,11 @@
     <p:sldId id="257" r:id="rId4"/>
     <p:sldId id="258" r:id="rId5"/>
     <p:sldId id="259" r:id="rId6"/>
-    <p:sldId id="264" r:id="rId7"/>
+    <p:sldId id="261" r:id="rId7"/>
     <p:sldId id="260" r:id="rId8"/>
     <p:sldId id="263" r:id="rId9"/>
-    <p:sldId id="261" r:id="rId10"/>
-    <p:sldId id="262" r:id="rId11"/>
+    <p:sldId id="262" r:id="rId10"/>
+    <p:sldId id="268" r:id="rId11"/>
     <p:sldId id="265" r:id="rId12"/>
     <p:sldId id="266" r:id="rId13"/>
     <p:sldId id="267" r:id="rId14"/>
@@ -3040,7 +3040,14 @@
         <p:cNvGrpSpPr/>
         <p:nvPr/>
       </p:nvGrpSpPr>
-      <p:grpSpPr/>
+      <p:grpSpPr>
+        <a:xfrm>
+          <a:off x="0" y="0"/>
+          <a:ext cx="0" cy="0"/>
+          <a:chOff x="0" y="0"/>
+          <a:chExt cx="0" cy="0"/>
+        </a:xfrm>
+      </p:grpSpPr>
       <p:sp>
         <p:nvSpPr>
           <p:cNvPr id="2" name="标题 1"/>
@@ -3054,6 +3061,7 @@
         <p:spPr/>
         <p:txBody>
           <a:bodyPr/>
+          <a:lstStyle/>
           <a:p>
             <a:endParaRPr lang="zh-CN" altLang="en-US"/>
           </a:p>
@@ -3072,6 +3080,7 @@
         <p:spPr/>
         <p:txBody>
           <a:bodyPr/>
+          <a:lstStyle/>
           <a:p>
             <a:r>
               <a:rPr lang="zh-CN" altLang="en-US"/>
@@ -3183,7 +3192,14 @@
         <p:cNvGrpSpPr/>
         <p:nvPr/>
       </p:nvGrpSpPr>
-      <p:grpSpPr/>
+      <p:grpSpPr>
+        <a:xfrm>
+          <a:off x="0" y="0"/>
+          <a:ext cx="0" cy="0"/>
+          <a:chOff x="0" y="0"/>
+          <a:chExt cx="0" cy="0"/>
+        </a:xfrm>
+      </p:grpSpPr>
       <p:sp>
         <p:nvSpPr>
           <p:cNvPr id="2" name="标题 1"/>
@@ -3197,6 +3213,7 @@
         <p:spPr/>
         <p:txBody>
           <a:bodyPr/>
+          <a:lstStyle/>
           <a:p>
             <a:endParaRPr lang="zh-CN" altLang="en-US"/>
           </a:p>
@@ -3217,6 +3234,7 @@
           <a:bodyPr>
             <a:normAutofit lnSpcReduction="10000"/>
           </a:bodyPr>
+          <a:lstStyle/>
           <a:p>
             <a:r>
               <a:rPr lang="zh-CN" altLang="en-US"/>
@@ -3334,7 +3352,14 @@
         <p:cNvGrpSpPr/>
         <p:nvPr/>
       </p:nvGrpSpPr>
-      <p:grpSpPr/>
+      <p:grpSpPr>
+        <a:xfrm>
+          <a:off x="0" y="0"/>
+          <a:ext cx="0" cy="0"/>
+          <a:chOff x="0" y="0"/>
+          <a:chExt cx="0" cy="0"/>
+        </a:xfrm>
+      </p:grpSpPr>
       <p:sp>
         <p:nvSpPr>
           <p:cNvPr id="2" name="标题 1"/>
@@ -3348,6 +3373,7 @@
         <p:spPr/>
         <p:txBody>
           <a:bodyPr/>
+          <a:lstStyle/>
           <a:p>
             <a:endParaRPr lang="zh-CN" altLang="en-US"/>
           </a:p>
@@ -3366,8 +3392,40 @@
         <p:spPr/>
         <p:txBody>
           <a:bodyPr/>
-          <a:p>
-            <a:endParaRPr lang="zh-CN" altLang="en-US"/>
+          <a:lstStyle/>
+          <a:p>
+            <a:r>
+              <a:rPr lang="en-US" altLang="zh-CN" dirty="0">
+                <a:hlinkClick r:id="rId1"/>
+              </a:rPr>
+              <a:t>B4061 </a:t>
+            </a:r>
+            <a:r>
+              <a:rPr lang="zh-CN" altLang="en-US" dirty="0">
+                <a:hlinkClick r:id="rId1"/>
+              </a:rPr>
+              <a:t>位运算 </a:t>
+            </a:r>
+            <a:r>
+              <a:rPr lang="en-US" altLang="zh-CN" dirty="0">
+                <a:hlinkClick r:id="rId1"/>
+              </a:rPr>
+              <a:t>2 - </a:t>
+            </a:r>
+            <a:r>
+              <a:rPr lang="zh-CN" altLang="en-US" dirty="0">
+                <a:hlinkClick r:id="rId1"/>
+              </a:rPr>
+              <a:t>洛谷</a:t>
+            </a:r>
+            <a:endParaRPr lang="en-US" altLang="zh-CN" dirty="0"/>
+          </a:p>
+          <a:p>
+            <a:r>
+              <a:rPr lang="zh-CN" altLang="en-US"/>
+              <a:t>不要用加减乘除运算</a:t>
+            </a:r>
+            <a:endParaRPr lang="zh-CN" altLang="en-US" dirty="0"/>
           </a:p>
         </p:txBody>
       </p:sp>
@@ -3451,6 +3509,25 @@
             <a:endParaRPr lang="zh-CN" altLang="en-US" dirty="0"/>
           </a:p>
           <a:p>
+            <a:r>
+              <a:rPr lang="zh-CN" altLang="en-US" dirty="0"/>
+              <a:t>二进制在</a:t>
+            </a:r>
+            <a:r>
+              <a:rPr lang="en-US" altLang="zh-CN" dirty="0"/>
+              <a:t>python</a:t>
+            </a:r>
+            <a:r>
+              <a:rPr lang="zh-CN" altLang="en-US" dirty="0"/>
+              <a:t>中的表示（代码</a:t>
+            </a:r>
+            <a:r>
+              <a:rPr lang="zh-CN" altLang="en-US" dirty="0"/>
+              <a:t>演示）</a:t>
+            </a:r>
+            <a:endParaRPr lang="zh-CN" altLang="en-US" dirty="0"/>
+          </a:p>
+          <a:p>
             <a:endParaRPr lang="zh-CN" altLang="en-US" dirty="0"/>
           </a:p>
         </p:txBody>
@@ -3528,7 +3605,15 @@
                   <a:srgbClr val="FF0000"/>
                 </a:solidFill>
               </a:rPr>
-              <a:t>位运算是相当快的</a:t>
+              <a:t>位运算是相当快的（代码</a:t>
+            </a:r>
+            <a:r>
+              <a:rPr lang="zh-CN" altLang="en-US" b="1" dirty="0">
+                <a:solidFill>
+                  <a:srgbClr val="FF0000"/>
+                </a:solidFill>
+              </a:rPr>
+              <a:t>演示）</a:t>
             </a:r>
             <a:r>
               <a:rPr lang="zh-CN" altLang="en-US" dirty="0"/>
@@ -4188,7 +4273,14 @@
         <p:cNvGrpSpPr/>
         <p:nvPr/>
       </p:nvGrpSpPr>
-      <p:grpSpPr/>
+      <p:grpSpPr>
+        <a:xfrm>
+          <a:off x="0" y="0"/>
+          <a:ext cx="0" cy="0"/>
+          <a:chOff x="0" y="0"/>
+          <a:chExt cx="0" cy="0"/>
+        </a:xfrm>
+      </p:grpSpPr>
       <p:sp>
         <p:nvSpPr>
           <p:cNvPr id="2" name="标题 1"/>
@@ -4199,37 +4291,122 @@
             <p:ph type="title"/>
           </p:nvPr>
         </p:nvSpPr>
-        <p:spPr/>
-        <p:txBody>
-          <a:bodyPr/>
-          <a:p>
-            <a:r>
-              <a:rPr lang="zh-CN" altLang="en-US"/>
-              <a:t>数在计算机中的表现</a:t>
-            </a:r>
-            <a:r>
-              <a:rPr lang="zh-CN" altLang="en-US"/>
-              <a:t>方式</a:t>
-            </a:r>
-            <a:endParaRPr lang="zh-CN" altLang="en-US"/>
-          </a:p>
-        </p:txBody>
-      </p:sp>
-      <p:sp>
-        <p:nvSpPr>
-          <p:cNvPr id="3" name="内容占位符 2"/>
-          <p:cNvSpPr>
-            <a:spLocks noGrp="1"/>
-          </p:cNvSpPr>
+        <p:spPr>
+          <a:xfrm>
+            <a:off x="838200" y="365125"/>
+            <a:ext cx="10515600" cy="1052195"/>
+          </a:xfrm>
+        </p:spPr>
+        <p:txBody>
+          <a:bodyPr/>
+          <a:lstStyle/>
+          <a:p>
+            <a:r>
+              <a:rPr lang="zh-CN" altLang="en-US" dirty="0"/>
+              <a:t>取反</a:t>
+            </a:r>
+            <a:endParaRPr lang="zh-CN" altLang="en-US" dirty="0"/>
+          </a:p>
+        </p:txBody>
+      </p:sp>
+      <p:pic>
+        <p:nvPicPr>
+          <p:cNvPr id="5" name="内容占位符 4" descr="图片包含 文本&#10;&#10;AI 生成的内容可能不正确。"/>
+          <p:cNvPicPr>
+            <a:picLocks noGrp="1" noChangeAspect="1"/>
+          </p:cNvPicPr>
           <p:nvPr>
             <p:ph idx="1"/>
           </p:nvPr>
-        </p:nvSpPr>
-        <p:spPr/>
-        <p:txBody>
-          <a:bodyPr/>
-          <a:p>
-            <a:endParaRPr lang="zh-CN" altLang="en-US"/>
+        </p:nvPicPr>
+        <p:blipFill>
+          <a:blip r:embed="rId1">
+            <a:extLst>
+              <a:ext uri="{28A0092B-C50C-407E-A947-70E740481C1C}">
+                <a14:useLocalDpi xmlns:a14="http://schemas.microsoft.com/office/drawing/2010/main" val="0"/>
+              </a:ext>
+            </a:extLst>
+          </a:blip>
+          <a:stretch>
+            <a:fillRect/>
+          </a:stretch>
+        </p:blipFill>
+        <p:spPr>
+          <a:xfrm>
+            <a:off x="983615" y="2609890"/>
+            <a:ext cx="5296639" cy="819264"/>
+          </a:xfrm>
+        </p:spPr>
+      </p:pic>
+      <p:sp>
+        <p:nvSpPr>
+          <p:cNvPr id="6" name="文本框 5"/>
+          <p:cNvSpPr txBox="1"/>
+          <p:nvPr/>
+        </p:nvSpPr>
+        <p:spPr>
+          <a:xfrm>
+            <a:off x="955040" y="1508760"/>
+            <a:ext cx="3916680" cy="922020"/>
+          </a:xfrm>
+          <a:prstGeom prst="rect">
+            <a:avLst/>
+          </a:prstGeom>
+          <a:noFill/>
+        </p:spPr>
+        <p:txBody>
+          <a:bodyPr wrap="square" rtlCol="0">
+            <a:spAutoFit/>
+          </a:bodyPr>
+          <a:lstStyle/>
+          <a:p>
+            <a:r>
+              <a:rPr lang="zh-CN" altLang="en-US" dirty="0"/>
+              <a:t>在计算机中存储整数使用的都是补码，所以我们取反操作实际上都是对补码进行</a:t>
+            </a:r>
+            <a:r>
+              <a:rPr lang="zh-CN" altLang="en-US" dirty="0"/>
+              <a:t>取反</a:t>
+            </a:r>
+            <a:endParaRPr lang="zh-CN" altLang="en-US" dirty="0"/>
+          </a:p>
+        </p:txBody>
+      </p:sp>
+      <p:sp>
+        <p:nvSpPr>
+          <p:cNvPr id="8" name="文本框 7"/>
+          <p:cNvSpPr txBox="1"/>
+          <p:nvPr/>
+        </p:nvSpPr>
+        <p:spPr>
+          <a:xfrm>
+            <a:off x="983615" y="3608070"/>
+            <a:ext cx="2067560" cy="923330"/>
+          </a:xfrm>
+          <a:prstGeom prst="rect">
+            <a:avLst/>
+          </a:prstGeom>
+          <a:noFill/>
+        </p:spPr>
+        <p:txBody>
+          <a:bodyPr wrap="square" rtlCol="0">
+            <a:spAutoFit/>
+          </a:bodyPr>
+          <a:lstStyle/>
+          <a:p>
+            <a:r>
+              <a:rPr lang="zh-CN" altLang="en-US" dirty="0"/>
+              <a:t>为了方便演示，我们统一假设位</a:t>
+            </a:r>
+            <a:r>
+              <a:rPr lang="en-US" altLang="zh-CN" dirty="0"/>
+              <a:t>8</a:t>
+            </a:r>
+            <a:r>
+              <a:rPr lang="zh-CN" altLang="en-US" dirty="0"/>
+              <a:t>位二进制数</a:t>
+            </a:r>
+            <a:endParaRPr lang="zh-CN" altLang="en-US" dirty="0"/>
           </a:p>
         </p:txBody>
       </p:sp>
@@ -5003,6 +5180,47 @@
           </a:p>
         </p:txBody>
       </p:sp>
+      <p:sp>
+        <p:nvSpPr>
+          <p:cNvPr id="7" name="文本框 6"/>
+          <p:cNvSpPr txBox="1"/>
+          <p:nvPr/>
+        </p:nvSpPr>
+        <p:spPr>
+          <a:xfrm>
+            <a:off x="2284095" y="704850"/>
+            <a:ext cx="5359400" cy="646331"/>
+          </a:xfrm>
+          <a:prstGeom prst="rect">
+            <a:avLst/>
+          </a:prstGeom>
+          <a:noFill/>
+        </p:spPr>
+        <p:txBody>
+          <a:bodyPr wrap="square" rtlCol="0">
+            <a:spAutoFit/>
+          </a:bodyPr>
+          <a:p>
+            <a:r>
+              <a:rPr lang="zh-CN" altLang="en-US" dirty="0"/>
+              <a:t>取反会将一个二进制数的每一位都取反，但是这并不意味着</a:t>
+            </a:r>
+            <a:r>
+              <a:rPr lang="en-US" altLang="zh-CN" dirty="0"/>
+              <a:t>10</a:t>
+            </a:r>
+            <a:r>
+              <a:rPr lang="zh-CN" altLang="en-US" dirty="0"/>
+              <a:t>取反后是</a:t>
+            </a:r>
+            <a:r>
+              <a:rPr lang="en-US" altLang="zh-CN" dirty="0"/>
+              <a:t>-10</a:t>
+            </a:r>
+            <a:endParaRPr lang="zh-CN" altLang="en-US" dirty="0"/>
+          </a:p>
+        </p:txBody>
+      </p:sp>
     </p:spTree>
   </p:cSld>
   <p:clrMapOvr>
@@ -5038,159 +5256,110 @@
             <p:ph type="title"/>
           </p:nvPr>
         </p:nvSpPr>
-        <p:spPr>
-          <a:xfrm>
-            <a:off x="838200" y="365125"/>
-            <a:ext cx="10515600" cy="1052195"/>
-          </a:xfrm>
-        </p:spPr>
+        <p:spPr/>
         <p:txBody>
           <a:bodyPr/>
           <a:lstStyle/>
           <a:p>
             <a:r>
               <a:rPr lang="zh-CN" altLang="en-US" dirty="0"/>
-              <a:t>取反</a:t>
+              <a:t>左移和右移</a:t>
             </a:r>
             <a:endParaRPr lang="zh-CN" altLang="en-US" dirty="0"/>
           </a:p>
         </p:txBody>
       </p:sp>
-      <p:pic>
-        <p:nvPicPr>
-          <p:cNvPr id="5" name="内容占位符 4" descr="图片包含 文本&#10;&#10;AI 生成的内容可能不正确。"/>
-          <p:cNvPicPr>
-            <a:picLocks noGrp="1" noChangeAspect="1"/>
-          </p:cNvPicPr>
+      <p:sp>
+        <p:nvSpPr>
+          <p:cNvPr id="3" name="内容占位符 2"/>
+          <p:cNvSpPr>
+            <a:spLocks noGrp="1"/>
+          </p:cNvSpPr>
           <p:nvPr>
             <p:ph idx="1"/>
           </p:nvPr>
-        </p:nvPicPr>
-        <p:blipFill>
-          <a:blip r:embed="rId1">
-            <a:extLst>
-              <a:ext uri="{28A0092B-C50C-407E-A947-70E740481C1C}">
-                <a14:useLocalDpi xmlns:a14="http://schemas.microsoft.com/office/drawing/2010/main" val="0"/>
-              </a:ext>
-            </a:extLst>
-          </a:blip>
-          <a:stretch>
-            <a:fillRect/>
-          </a:stretch>
-        </p:blipFill>
-        <p:spPr>
-          <a:xfrm>
-            <a:off x="899160" y="2772450"/>
-            <a:ext cx="5296639" cy="819264"/>
-          </a:xfrm>
-        </p:spPr>
-      </p:pic>
-      <p:sp>
-        <p:nvSpPr>
-          <p:cNvPr id="6" name="文本框 5"/>
-          <p:cNvSpPr txBox="1"/>
-          <p:nvPr/>
-        </p:nvSpPr>
-        <p:spPr>
-          <a:xfrm>
-            <a:off x="955040" y="1508760"/>
-            <a:ext cx="3916680" cy="369332"/>
-          </a:xfrm>
-          <a:prstGeom prst="rect">
-            <a:avLst/>
-          </a:prstGeom>
-          <a:noFill/>
-        </p:spPr>
-        <p:txBody>
-          <a:bodyPr wrap="square" rtlCol="0">
-            <a:spAutoFit/>
-          </a:bodyPr>
-          <a:lstStyle/>
-          <a:p>
+        </p:nvSpPr>
+        <p:spPr/>
+        <p:txBody>
+          <a:bodyPr/>
+          <a:lstStyle/>
+          <a:p>
+            <a:r>
+              <a:rPr lang="en-US" altLang="zh-CN" dirty="0"/>
+              <a:t>num &lt;&lt; </a:t>
+            </a:r>
+            <a:r>
+              <a:rPr lang="en-US" altLang="zh-CN" dirty="0" err="1"/>
+              <a:t>i</a:t>
+            </a:r>
+            <a:r>
+              <a:rPr lang="en-US" altLang="zh-CN" dirty="0"/>
+              <a:t> </a:t>
+            </a:r>
             <a:r>
               <a:rPr lang="zh-CN" altLang="en-US" dirty="0"/>
-              <a:t>在计算机中存储整数使用的都是补码</a:t>
+              <a:t>表示将  的二进制表示向左移动 </a:t>
+            </a:r>
+            <a:r>
+              <a:rPr lang="en-US" altLang="zh-CN" dirty="0" err="1"/>
+              <a:t>i</a:t>
+            </a:r>
+            <a:r>
+              <a:rPr lang="en-US" altLang="zh-CN" dirty="0"/>
+              <a:t> </a:t>
+            </a:r>
+            <a:r>
+              <a:rPr lang="zh-CN" altLang="en-US" dirty="0"/>
+              <a:t>位所得的值。</a:t>
             </a:r>
             <a:endParaRPr lang="zh-CN" altLang="en-US" dirty="0"/>
           </a:p>
-        </p:txBody>
-      </p:sp>
-      <p:sp>
-        <p:nvSpPr>
-          <p:cNvPr id="7" name="文本框 6"/>
-          <p:cNvSpPr txBox="1"/>
-          <p:nvPr/>
-        </p:nvSpPr>
-        <p:spPr>
-          <a:xfrm>
-            <a:off x="899160" y="2016760"/>
-            <a:ext cx="5359400" cy="646331"/>
-          </a:xfrm>
-          <a:prstGeom prst="rect">
-            <a:avLst/>
-          </a:prstGeom>
-          <a:noFill/>
-        </p:spPr>
-        <p:txBody>
-          <a:bodyPr wrap="square" rtlCol="0">
-            <a:spAutoFit/>
-          </a:bodyPr>
-          <a:lstStyle/>
-          <a:p>
+          <a:p>
+            <a:r>
+              <a:rPr lang="en-US" altLang="zh-CN" dirty="0"/>
+              <a:t>num &gt;&gt; </a:t>
+            </a:r>
+            <a:r>
+              <a:rPr lang="en-US" altLang="zh-CN" dirty="0" err="1"/>
+              <a:t>i</a:t>
+            </a:r>
+            <a:r>
+              <a:rPr lang="en-US" altLang="zh-CN" dirty="0"/>
+              <a:t> </a:t>
+            </a:r>
             <a:r>
               <a:rPr lang="zh-CN" altLang="en-US" dirty="0"/>
-              <a:t>取反会将一个二进制数的每一位都取反，但是这并不意味着</a:t>
-            </a:r>
-            <a:r>
-              <a:rPr lang="en-US" altLang="zh-CN" dirty="0"/>
-              <a:t>10</a:t>
+              <a:t>表示将  的二进制表示向右移动 </a:t>
+            </a:r>
+            <a:r>
+              <a:rPr lang="en-US" altLang="zh-CN" dirty="0" err="1"/>
+              <a:t>i</a:t>
             </a:r>
             <a:r>
               <a:rPr lang="zh-CN" altLang="en-US" dirty="0"/>
-              <a:t>取反后是</a:t>
-            </a:r>
-            <a:r>
-              <a:rPr lang="en-US" altLang="zh-CN" dirty="0"/>
-              <a:t>-10</a:t>
+              <a:t> 位所得的值。</a:t>
             </a:r>
             <a:endParaRPr lang="zh-CN" altLang="en-US" dirty="0"/>
           </a:p>
-        </p:txBody>
-      </p:sp>
-      <p:sp>
-        <p:nvSpPr>
-          <p:cNvPr id="8" name="文本框 7"/>
-          <p:cNvSpPr txBox="1"/>
-          <p:nvPr/>
-        </p:nvSpPr>
-        <p:spPr>
-          <a:xfrm>
-            <a:off x="1127760" y="3911600"/>
-            <a:ext cx="2067560" cy="923330"/>
-          </a:xfrm>
-          <a:prstGeom prst="rect">
-            <a:avLst/>
-          </a:prstGeom>
-          <a:noFill/>
-        </p:spPr>
-        <p:txBody>
-          <a:bodyPr wrap="square" rtlCol="0">
-            <a:spAutoFit/>
-          </a:bodyPr>
-          <a:lstStyle/>
-          <a:p>
-            <a:r>
-              <a:rPr lang="zh-CN" altLang="en-US" dirty="0"/>
-              <a:t>为了方便演示，我们统一假设位</a:t>
-            </a:r>
-            <a:r>
-              <a:rPr lang="en-US" altLang="zh-CN" dirty="0"/>
-              <a:t>8</a:t>
-            </a:r>
-            <a:r>
-              <a:rPr lang="zh-CN" altLang="en-US" dirty="0"/>
-              <a:t>位二进制数</a:t>
-            </a:r>
+          <a:p>
+            <a:endParaRPr lang="zh-CN" altLang="en-US" dirty="0"/>
+          </a:p>
+          <a:p>
+            <a:endParaRPr lang="zh-CN" altLang="en-US" dirty="0"/>
+          </a:p>
+          <a:p>
+            <a:endParaRPr lang="zh-CN" altLang="en-US" dirty="0"/>
+          </a:p>
+          <a:p>
+            <a:endParaRPr lang="zh-CN" altLang="en-US" dirty="0"/>
+          </a:p>
+          <a:p>
+            <a:endParaRPr lang="zh-CN" altLang="en-US" dirty="0"/>
+          </a:p>
+          <a:p>
+            <a:endParaRPr lang="zh-CN" altLang="en-US" dirty="0"/>
+          </a:p>
+          <a:p>
             <a:endParaRPr lang="zh-CN" altLang="en-US" dirty="0"/>
           </a:p>
         </p:txBody>
@@ -5212,14 +5381,7 @@
         <p:cNvGrpSpPr/>
         <p:nvPr/>
       </p:nvGrpSpPr>
-      <p:grpSpPr>
-        <a:xfrm>
-          <a:off x="0" y="0"/>
-          <a:ext cx="0" cy="0"/>
-          <a:chOff x="0" y="0"/>
-          <a:chExt cx="0" cy="0"/>
-        </a:xfrm>
-      </p:grpSpPr>
+      <p:grpSpPr/>
       <p:sp>
         <p:nvSpPr>
           <p:cNvPr id="2" name="标题 1"/>
@@ -5233,13 +5395,8 @@
         <p:spPr/>
         <p:txBody>
           <a:bodyPr/>
-          <a:lstStyle/>
-          <a:p>
-            <a:r>
-              <a:rPr lang="zh-CN" altLang="en-US" dirty="0"/>
-              <a:t>左移和右移</a:t>
-            </a:r>
-            <a:endParaRPr lang="zh-CN" altLang="en-US" dirty="0"/>
+          <a:p>
+            <a:endParaRPr lang="zh-CN" altLang="en-US"/>
           </a:p>
         </p:txBody>
       </p:sp>
@@ -5256,67 +5413,16 @@
         <p:spPr/>
         <p:txBody>
           <a:bodyPr/>
-          <a:lstStyle/>
-          <a:p>
-            <a:r>
-              <a:rPr lang="en-US" altLang="zh-CN" dirty="0"/>
-              <a:t>num &lt;&lt; </a:t>
-            </a:r>
-            <a:r>
-              <a:rPr lang="en-US" altLang="zh-CN" dirty="0" err="1"/>
-              <a:t>i</a:t>
-            </a:r>
-            <a:r>
-              <a:rPr lang="en-US" altLang="zh-CN" dirty="0"/>
-              <a:t> </a:t>
-            </a:r>
-            <a:r>
-              <a:rPr lang="zh-CN" altLang="en-US" dirty="0"/>
-              <a:t>表示将  的二进制表示向左移动 </a:t>
-            </a:r>
-            <a:r>
-              <a:rPr lang="en-US" altLang="zh-CN" dirty="0" err="1"/>
-              <a:t>i</a:t>
-            </a:r>
-            <a:r>
-              <a:rPr lang="en-US" altLang="zh-CN" dirty="0"/>
-              <a:t> </a:t>
-            </a:r>
-            <a:r>
-              <a:rPr lang="zh-CN" altLang="en-US" dirty="0"/>
-              <a:t>位所得的值。</a:t>
-            </a:r>
-            <a:endParaRPr lang="zh-CN" altLang="en-US" dirty="0"/>
-          </a:p>
-          <a:p>
-            <a:r>
-              <a:rPr lang="en-US" altLang="zh-CN" dirty="0"/>
-              <a:t>num &gt;&gt; </a:t>
-            </a:r>
-            <a:r>
-              <a:rPr lang="en-US" altLang="zh-CN" dirty="0" err="1"/>
-              <a:t>i</a:t>
-            </a:r>
-            <a:r>
-              <a:rPr lang="en-US" altLang="zh-CN" dirty="0"/>
-              <a:t> </a:t>
-            </a:r>
-            <a:r>
-              <a:rPr lang="zh-CN" altLang="en-US" dirty="0"/>
-              <a:t>表示将  的二进制表示向右移动 </a:t>
-            </a:r>
-            <a:r>
-              <a:rPr lang="en-US" altLang="zh-CN" dirty="0" err="1"/>
-              <a:t>i</a:t>
-            </a:r>
-            <a:r>
-              <a:rPr lang="zh-CN" altLang="en-US" dirty="0"/>
-              <a:t> 位所得的值。</a:t>
-            </a:r>
-            <a:endParaRPr lang="zh-CN" altLang="en-US" dirty="0"/>
-          </a:p>
-          <a:p>
-            <a:endParaRPr lang="zh-CN" altLang="en-US" dirty="0"/>
+          <a:p>
+            <a:r>
+              <a:rPr lang="zh-CN" altLang="en-US"/>
+              <a:t>简单运用（输出一个数的二进制</a:t>
+            </a:r>
+            <a:r>
+              <a:rPr lang="zh-CN" altLang="en-US"/>
+              <a:t>形式）</a:t>
+            </a:r>
+            <a:endParaRPr lang="zh-CN" altLang="en-US"/>
           </a:p>
         </p:txBody>
       </p:sp>
